--- a/Final notebooks/Zomato_Presentation_EW_20200712.pptx
+++ b/Final notebooks/Zomato_Presentation_EW_20200712.pptx
@@ -5,22 +5,23 @@
     <p:sldMasterId id="2147483648" r:id="rId1"/>
   </p:sldMasterIdLst>
   <p:notesMasterIdLst>
-    <p:notesMasterId r:id="rId15"/>
+    <p:notesMasterId r:id="rId16"/>
   </p:notesMasterIdLst>
   <p:sldIdLst>
     <p:sldId id="256" r:id="rId2"/>
-    <p:sldId id="257" r:id="rId3"/>
+    <p:sldId id="280" r:id="rId3"/>
     <p:sldId id="258" r:id="rId4"/>
-    <p:sldId id="269" r:id="rId5"/>
-    <p:sldId id="260" r:id="rId6"/>
-    <p:sldId id="270" r:id="rId7"/>
-    <p:sldId id="271" r:id="rId8"/>
+    <p:sldId id="273" r:id="rId5"/>
+    <p:sldId id="274" r:id="rId6"/>
+    <p:sldId id="275" r:id="rId7"/>
+    <p:sldId id="260" r:id="rId8"/>
     <p:sldId id="265" r:id="rId9"/>
     <p:sldId id="272" r:id="rId10"/>
     <p:sldId id="262" r:id="rId11"/>
     <p:sldId id="266" r:id="rId12"/>
     <p:sldId id="267" r:id="rId13"/>
-    <p:sldId id="268" r:id="rId14"/>
+    <p:sldId id="276" r:id="rId14"/>
+    <p:sldId id="268" r:id="rId15"/>
   </p:sldIdLst>
   <p:sldSz cx="12192000" cy="6858000"/>
   <p:notesSz cx="6858000" cy="9144000"/>
@@ -572,7 +573,7 @@
           <a:effectLst/>
           <a:extLst>
             <a:ext uri="{91240B29-F687-4f45-9708-019B960494DF}">
-              <a14:hiddenLine xmlns:a14="http://schemas.microsoft.com/office/drawing/2010/main" xmlns="" w="9525">
+              <a14:hiddenLine xmlns="" xmlns:a14="http://schemas.microsoft.com/office/drawing/2010/main" w="9525">
                 <a:solidFill>
                   <a:srgbClr val="000000"/>
                 </a:solidFill>
@@ -902,7 +903,7 @@
           <a:ln/>
           <a:extLst>
             <a:ext uri="{91240B29-F687-4f45-9708-019B960494DF}">
-              <a14:hiddenLine xmlns:a14="http://schemas.microsoft.com/office/drawing/2010/main" xmlns="" w="9525">
+              <a14:hiddenLine xmlns="" xmlns:a14="http://schemas.microsoft.com/office/drawing/2010/main" w="9525">
                 <a:solidFill>
                   <a:srgbClr val="000000"/>
                 </a:solidFill>
@@ -1204,7 +1205,7 @@
           <a:ln/>
           <a:extLst>
             <a:ext uri="{91240B29-F687-4f45-9708-019B960494DF}">
-              <a14:hiddenLine xmlns:a14="http://schemas.microsoft.com/office/drawing/2010/main" xmlns="" w="9525">
+              <a14:hiddenLine xmlns="" xmlns:a14="http://schemas.microsoft.com/office/drawing/2010/main" w="9525">
                 <a:solidFill>
                   <a:srgbClr val="000000"/>
                 </a:solidFill>
@@ -1567,7 +1568,7 @@
           <a:ln/>
           <a:extLst>
             <a:ext uri="{91240B29-F687-4f45-9708-019B960494DF}">
-              <a14:hiddenLine xmlns:a14="http://schemas.microsoft.com/office/drawing/2010/main" xmlns="" w="9525">
+              <a14:hiddenLine xmlns="" xmlns:a14="http://schemas.microsoft.com/office/drawing/2010/main" w="9525">
                 <a:solidFill>
                   <a:srgbClr val="000000"/>
                 </a:solidFill>
@@ -2177,7 +2178,7 @@
           <a:ln/>
           <a:extLst>
             <a:ext uri="{91240B29-F687-4f45-9708-019B960494DF}">
-              <a14:hiddenLine xmlns:a14="http://schemas.microsoft.com/office/drawing/2010/main" xmlns="" w="9525">
+              <a14:hiddenLine xmlns="" xmlns:a14="http://schemas.microsoft.com/office/drawing/2010/main" w="9525">
                 <a:solidFill>
                   <a:srgbClr val="000000"/>
                 </a:solidFill>
@@ -3192,7 +3193,7 @@
             </a:br>
             <a:r>
               <a:rPr lang="en-AU" dirty="0"/>
-              <a:t>Restaurants plotted by price, ratings and cities</a:t>
+              <a:t>Affordability vs Quality</a:t>
             </a:r>
           </a:p>
         </p:txBody>
@@ -3215,23 +3216,22 @@
         </p:nvSpPr>
         <p:spPr>
           <a:xfrm>
-            <a:off x="570357" y="2222287"/>
-            <a:ext cx="3874907" cy="4289018"/>
+            <a:off x="434891" y="3751626"/>
+            <a:ext cx="3874907" cy="1366302"/>
           </a:xfrm>
         </p:spPr>
         <p:txBody>
-          <a:bodyPr/>
+          <a:bodyPr>
+            <a:normAutofit lnSpcReduction="10000"/>
+          </a:bodyPr>
           <a:lstStyle/>
           <a:p>
             <a:endParaRPr lang="en-AU" sz="1800" dirty="0"/>
           </a:p>
           <a:p>
-            <a:pPr marL="0" indent="0">
-              <a:buNone/>
-            </a:pPr>
             <a:r>
               <a:rPr lang="en-GB" dirty="0"/>
-              <a:t>Findings XXX</a:t>
+              <a:t>There is no correlation between user rating and cost for two people.</a:t>
             </a:r>
           </a:p>
           <a:p>
@@ -3349,6 +3349,26 @@
           <a:lstStyle/>
           <a:p>
             <a:r>
+              <a:rPr lang="en-AU" dirty="0"/>
+              <a:t>Zomato Restaurant Reviews</a:t>
+            </a:r>
+            <a:br>
+              <a:rPr lang="en-AU" sz="2800" dirty="0"/>
+            </a:br>
+            <a:r>
+              <a:rPr lang="en-AU" sz="2000" dirty="0"/>
+              <a:t>Teal Rabbits</a:t>
+            </a:r>
+            <a:br>
+              <a:rPr lang="en-AU" sz="2000" dirty="0"/>
+            </a:br>
+            <a:br>
+              <a:rPr lang="en-AU" sz="2000" dirty="0"/>
+            </a:br>
+            <a:br>
+              <a:rPr lang="en-AU" sz="2000" dirty="0"/>
+            </a:br>
+            <a:r>
               <a:rPr lang="en-GB" dirty="0"/>
               <a:t>Cuisines and cities</a:t>
             </a:r>
@@ -3402,8 +3422,8 @@
         </p:nvSpPr>
         <p:spPr>
           <a:xfrm>
-            <a:off x="304796" y="2341905"/>
-            <a:ext cx="4524388" cy="2455382"/>
+            <a:off x="373811" y="2918355"/>
+            <a:ext cx="4524388" cy="2074820"/>
           </a:xfrm>
           <a:prstGeom prst="rect">
             <a:avLst/>
@@ -3653,7 +3673,7 @@
         <p:spPr>
           <a:xfrm>
             <a:off x="5133980" y="2143122"/>
-            <a:ext cx="6753224" cy="4502150"/>
+            <a:ext cx="6684209" cy="4456140"/>
           </a:xfrm>
         </p:spPr>
       </p:pic>
@@ -3714,8 +3734,28 @@
           <a:lstStyle/>
           <a:p>
             <a:r>
+              <a:rPr lang="en-AU" dirty="0"/>
+              <a:t>Zomato Restaurant Reviews</a:t>
+            </a:r>
+            <a:br>
+              <a:rPr lang="en-AU" sz="2800" dirty="0"/>
+            </a:br>
+            <a:r>
+              <a:rPr lang="en-AU" sz="2000" dirty="0"/>
+              <a:t>Teal Rabbits</a:t>
+            </a:r>
+            <a:br>
+              <a:rPr lang="en-AU" sz="2000" dirty="0"/>
+            </a:br>
+            <a:br>
+              <a:rPr lang="en-AU" sz="2000" dirty="0"/>
+            </a:br>
+            <a:br>
+              <a:rPr lang="en-AU" sz="2000" dirty="0"/>
+            </a:br>
+            <a:r>
               <a:rPr lang="en-GB" dirty="0"/>
-              <a:t>Summary of findings</a:t>
+              <a:t>Summary and Conclusion</a:t>
             </a:r>
           </a:p>
         </p:txBody>
@@ -3738,8 +3778,8 @@
         </p:nvSpPr>
         <p:spPr>
           <a:xfrm>
-            <a:off x="158035" y="2110125"/>
-            <a:ext cx="11502887" cy="4502575"/>
+            <a:off x="405000" y="2235200"/>
+            <a:ext cx="11382000" cy="4312356"/>
           </a:xfrm>
         </p:spPr>
         <p:txBody>
@@ -3748,100 +3788,82 @@
           </a:bodyPr>
           <a:lstStyle/>
           <a:p>
-            <a:endParaRPr lang="en-GB" dirty="0"/>
-          </a:p>
-          <a:p>
-            <a:endParaRPr lang="en-GB" dirty="0"/>
-          </a:p>
-          <a:p>
-            <a:pPr marL="0" indent="0">
-              <a:buNone/>
-            </a:pPr>
-            <a:endParaRPr lang="en-GB" i="1" dirty="0"/>
-          </a:p>
-          <a:p>
-            <a:pPr>
-              <a:buFont typeface="Arial" panose="020B0604020202020204" pitchFamily="34" charset="0"/>
-              <a:buChar char="•"/>
-            </a:pPr>
-            <a:r>
-              <a:rPr lang="en-GB" i="1" dirty="0"/>
-              <a:t>We can confirm Melbourne has a more dynamic scene due to the number of top end restaurants.</a:t>
-            </a:r>
-          </a:p>
-          <a:p>
-            <a:pPr>
-              <a:buFont typeface="Arial" panose="020B0604020202020204" pitchFamily="34" charset="0"/>
-              <a:buChar char="•"/>
-            </a:pPr>
-            <a:r>
-              <a:rPr lang="en-GB" i="1" dirty="0"/>
-              <a:t>Melbourne top 100 restaurants have a higher average rating compare to other cities.</a:t>
-            </a:r>
-          </a:p>
-          <a:p>
-            <a:pPr>
-              <a:buFont typeface="Arial" panose="020B0604020202020204" pitchFamily="34" charset="0"/>
-              <a:buChar char="•"/>
-            </a:pPr>
-            <a:r>
-              <a:rPr lang="en-GB" i="1" dirty="0"/>
-              <a:t>However the average cost for two of Melbourne’s top restaurants cost more than anywhere else in Australia.</a:t>
-            </a:r>
-          </a:p>
-          <a:p>
-            <a:pPr>
-              <a:buFont typeface="Arial" panose="020B0604020202020204" pitchFamily="34" charset="0"/>
-              <a:buChar char="•"/>
-            </a:pPr>
-            <a:endParaRPr lang="en-GB" i="1" dirty="0"/>
-          </a:p>
-          <a:p>
-            <a:pPr>
-              <a:buFont typeface="Arial" panose="020B0604020202020204" pitchFamily="34" charset="0"/>
-              <a:buChar char="•"/>
-            </a:pPr>
-            <a:r>
-              <a:rPr lang="en-GB" i="1" dirty="0"/>
-              <a:t>If we had more time, we would:</a:t>
-            </a:r>
-          </a:p>
-          <a:p>
-            <a:pPr>
-              <a:buFont typeface="Arial" panose="020B0604020202020204" pitchFamily="34" charset="0"/>
-              <a:buChar char="•"/>
-            </a:pPr>
-            <a:r>
-              <a:rPr lang="en-GB" dirty="0"/>
-              <a:t>analyse deeper all the cuisines categories.</a:t>
-            </a:r>
-          </a:p>
-          <a:p>
-            <a:pPr>
-              <a:buFont typeface="Arial" panose="020B0604020202020204" pitchFamily="34" charset="0"/>
-              <a:buChar char="•"/>
-            </a:pPr>
-            <a:r>
-              <a:rPr lang="en-GB" dirty="0"/>
-              <a:t> find a solution to clean the API code by creating a function</a:t>
-            </a:r>
-          </a:p>
-          <a:p>
-            <a:pPr>
-              <a:buFont typeface="Arial" panose="020B0604020202020204" pitchFamily="34" charset="0"/>
-              <a:buChar char="•"/>
-            </a:pPr>
-            <a:endParaRPr lang="en-GB" dirty="0"/>
-          </a:p>
-          <a:p>
-            <a:pPr>
-              <a:buFont typeface="Arial" panose="020B0604020202020204" pitchFamily="34" charset="0"/>
-              <a:buChar char="•"/>
-            </a:pPr>
-            <a:endParaRPr lang="en-GB" dirty="0"/>
-          </a:p>
-          <a:p>
-            <a:endParaRPr lang="en-AU" dirty="0"/>
+            <a:pPr lvl="1"/>
+            <a:r>
+              <a:rPr lang="en-GB" sz="1800" i="0" dirty="0">
+                <a:solidFill>
+                  <a:srgbClr val="D1D2D3"/>
+                </a:solidFill>
+                <a:effectLst/>
+              </a:rPr>
+              <a:t>Summary</a:t>
+            </a:r>
+          </a:p>
+          <a:p>
+            <a:pPr lvl="2"/>
+            <a:r>
+              <a:rPr lang="en-GB" sz="1600" i="0" dirty="0">
+                <a:solidFill>
+                  <a:srgbClr val="D1D2D3"/>
+                </a:solidFill>
+                <a:effectLst/>
+              </a:rPr>
+              <a:t>44% of the Top 100 restaurants are located in Melbourne</a:t>
+            </a:r>
+          </a:p>
+          <a:p>
+            <a:pPr lvl="2"/>
+            <a:r>
+              <a:rPr lang="en-GB" sz="1600" i="0" dirty="0">
+                <a:solidFill>
+                  <a:srgbClr val="D1D2D3"/>
+                </a:solidFill>
+                <a:effectLst/>
+              </a:rPr>
+              <a:t>Melbourne’s average cost for two people is significantly higher than other city in Australia, topping Sydney by $20 and other cities by $40.</a:t>
+            </a:r>
+          </a:p>
+          <a:p>
+            <a:pPr lvl="2"/>
+            <a:r>
+              <a:rPr lang="en-GB" sz="1600" i="0" dirty="0">
+                <a:solidFill>
+                  <a:srgbClr val="D1D2D3"/>
+                </a:solidFill>
+                <a:effectLst/>
+              </a:rPr>
+              <a:t>The top 500 restaurant list paints a better picture in the aspects we’re observing, affordability also increases as we expand our list to top 500 restaurants.</a:t>
+            </a:r>
+          </a:p>
+          <a:p>
+            <a:pPr lvl="2"/>
+            <a:r>
+              <a:rPr lang="en-GB" sz="1600" i="0" dirty="0">
+                <a:solidFill>
+                  <a:srgbClr val="D1D2D3"/>
+                </a:solidFill>
+                <a:effectLst/>
+              </a:rPr>
+              <a:t>Generally, cuisines are evenly diverse across the 5 cities.</a:t>
+            </a:r>
+          </a:p>
+          <a:p>
+            <a:pPr lvl="1"/>
+            <a:r>
+              <a:rPr lang="en-GB" sz="1800" dirty="0">
+                <a:solidFill>
+                  <a:srgbClr val="D1D2D3"/>
+                </a:solidFill>
+              </a:rPr>
+              <a:t>Conclusion</a:t>
+            </a:r>
+          </a:p>
+          <a:p>
+            <a:pPr lvl="2"/>
+            <a:r>
+              <a:rPr lang="en-GB" sz="1600" dirty="0"/>
+              <a:t>Melbourne has the highest rated restaurants however it comes at a higher price.</a:t>
+            </a:r>
           </a:p>
         </p:txBody>
       </p:sp>
@@ -3910,6 +3932,291 @@
           <p:cNvPr id="2" name="Title 1">
             <a:extLst>
               <a:ext uri="{FF2B5EF4-FFF2-40B4-BE49-F238E27FC236}">
+                <a16:creationId xmlns:a16="http://schemas.microsoft.com/office/drawing/2014/main" id="{F9FAF9DE-5A66-44A2-A398-963F6325B67E}"/>
+              </a:ext>
+            </a:extLst>
+          </p:cNvPr>
+          <p:cNvSpPr>
+            <a:spLocks noGrp="1"/>
+          </p:cNvSpPr>
+          <p:nvPr>
+            <p:ph type="title"/>
+          </p:nvPr>
+        </p:nvSpPr>
+        <p:spPr/>
+        <p:txBody>
+          <a:bodyPr/>
+          <a:lstStyle/>
+          <a:p>
+            <a:r>
+              <a:rPr lang="en-AU" dirty="0"/>
+              <a:t>Zomato Restaurant Reviews</a:t>
+            </a:r>
+            <a:br>
+              <a:rPr lang="en-AU" sz="2800" dirty="0"/>
+            </a:br>
+            <a:r>
+              <a:rPr lang="en-AU" sz="2000" dirty="0"/>
+              <a:t>Teal Rabbits</a:t>
+            </a:r>
+            <a:br>
+              <a:rPr lang="en-AU" sz="2000" dirty="0"/>
+            </a:br>
+            <a:br>
+              <a:rPr lang="en-AU" sz="2000" dirty="0"/>
+            </a:br>
+            <a:br>
+              <a:rPr lang="en-AU" sz="2000" dirty="0"/>
+            </a:br>
+            <a:r>
+              <a:rPr lang="en-GB" dirty="0"/>
+              <a:t>Challenges</a:t>
+            </a:r>
+            <a:endParaRPr lang="en-AU" dirty="0"/>
+          </a:p>
+        </p:txBody>
+      </p:sp>
+      <p:sp>
+        <p:nvSpPr>
+          <p:cNvPr id="3" name="Content Placeholder 2">
+            <a:extLst>
+              <a:ext uri="{FF2B5EF4-FFF2-40B4-BE49-F238E27FC236}">
+                <a16:creationId xmlns:a16="http://schemas.microsoft.com/office/drawing/2014/main" id="{01D0698B-0D1F-4A8B-9E9C-FF72E7DDFAC9}"/>
+              </a:ext>
+            </a:extLst>
+          </p:cNvPr>
+          <p:cNvSpPr>
+            <a:spLocks noGrp="1"/>
+          </p:cNvSpPr>
+          <p:nvPr>
+            <p:ph idx="1"/>
+          </p:nvPr>
+        </p:nvSpPr>
+        <p:spPr>
+          <a:xfrm>
+            <a:off x="417689" y="2235200"/>
+            <a:ext cx="11382001" cy="4267668"/>
+          </a:xfrm>
+        </p:spPr>
+        <p:txBody>
+          <a:bodyPr>
+            <a:normAutofit lnSpcReduction="10000"/>
+          </a:bodyPr>
+          <a:lstStyle/>
+          <a:p>
+            <a:pPr algn="l">
+              <a:buFont typeface="Wingdings 2" panose="05020102010507070707" pitchFamily="18" charset="2"/>
+              <a:buChar char=""/>
+            </a:pPr>
+            <a:r>
+              <a:rPr lang="en-GB" b="0" i="0" dirty="0">
+                <a:solidFill>
+                  <a:srgbClr val="D1D2D3"/>
+                </a:solidFill>
+                <a:effectLst/>
+              </a:rPr>
+              <a:t>Challenges</a:t>
+            </a:r>
+          </a:p>
+          <a:p>
+            <a:pPr lvl="1">
+              <a:buFont typeface="Wingdings 2" panose="05020102010507070707" pitchFamily="18" charset="2"/>
+              <a:buChar char=""/>
+            </a:pPr>
+            <a:r>
+              <a:rPr lang="en-GB" b="0" i="0" dirty="0">
+                <a:solidFill>
+                  <a:srgbClr val="D1D2D3"/>
+                </a:solidFill>
+                <a:effectLst/>
+              </a:rPr>
+              <a:t>Higher average cost in Melbourne’s top restaurants can be potentially skewed by factors such as the dining scene, target demographics, paid marketing, etc. Zomato IS after all for-profit.</a:t>
+            </a:r>
+          </a:p>
+          <a:p>
+            <a:pPr lvl="1">
+              <a:buFont typeface="Wingdings 2" panose="05020102010507070707" pitchFamily="18" charset="2"/>
+              <a:buChar char=""/>
+            </a:pPr>
+            <a:r>
+              <a:rPr lang="en-GB" b="0" i="0" dirty="0">
+                <a:solidFill>
+                  <a:srgbClr val="D1D2D3"/>
+                </a:solidFill>
+                <a:effectLst/>
+              </a:rPr>
+              <a:t>Top 100 doesn’t adequately represent the dining scene in Australia – heavily favoured by Melbourne.</a:t>
+            </a:r>
+          </a:p>
+          <a:p>
+            <a:pPr lvl="1">
+              <a:buFont typeface="Wingdings 2" panose="05020102010507070707" pitchFamily="18" charset="2"/>
+              <a:buChar char=""/>
+            </a:pPr>
+            <a:r>
+              <a:rPr lang="en-GB" b="0" i="0" dirty="0">
+                <a:solidFill>
+                  <a:srgbClr val="D1D2D3"/>
+                </a:solidFill>
+                <a:effectLst/>
+              </a:rPr>
+              <a:t>Zomato categorisation includes multiple terms that may convolute the data exploration process, may cause categorical disparity.</a:t>
+            </a:r>
+          </a:p>
+          <a:p>
+            <a:pPr lvl="1">
+              <a:buFont typeface="Wingdings 2" panose="05020102010507070707" pitchFamily="18" charset="2"/>
+              <a:buChar char=""/>
+            </a:pPr>
+            <a:r>
+              <a:rPr lang="en-GB" b="0" i="0" dirty="0">
+                <a:solidFill>
+                  <a:srgbClr val="D1D2D3"/>
+                </a:solidFill>
+                <a:effectLst/>
+              </a:rPr>
+              <a:t>Broad vs specific categorisation.</a:t>
+            </a:r>
+          </a:p>
+          <a:p>
+            <a:pPr lvl="1">
+              <a:buFont typeface="Wingdings 2" panose="05020102010507070707" pitchFamily="18" charset="2"/>
+              <a:buChar char=""/>
+            </a:pPr>
+            <a:r>
+              <a:rPr lang="en-GB" b="0" i="0" dirty="0">
+                <a:solidFill>
+                  <a:srgbClr val="D1D2D3"/>
+                </a:solidFill>
+                <a:effectLst/>
+              </a:rPr>
+              <a:t>What we took is a “snapshot”, not accurately representing the thousands of other restaurants in those cities.</a:t>
+            </a:r>
+          </a:p>
+          <a:p>
+            <a:pPr algn="l">
+              <a:buFont typeface="Wingdings 2" panose="05020102010507070707" pitchFamily="18" charset="2"/>
+              <a:buChar char=""/>
+            </a:pPr>
+            <a:r>
+              <a:rPr lang="en-GB" b="0" i="0" dirty="0">
+                <a:solidFill>
+                  <a:srgbClr val="D1D2D3"/>
+                </a:solidFill>
+                <a:effectLst/>
+              </a:rPr>
+              <a:t>If we had 2 more weeks..</a:t>
+            </a:r>
+          </a:p>
+          <a:p>
+            <a:pPr lvl="1">
+              <a:buFont typeface="Wingdings 2" panose="05020102010507070707" pitchFamily="18" charset="2"/>
+              <a:buChar char=""/>
+            </a:pPr>
+            <a:r>
+              <a:rPr lang="en-GB" b="0" i="0" dirty="0">
+                <a:solidFill>
+                  <a:srgbClr val="D1D2D3"/>
+                </a:solidFill>
+                <a:effectLst/>
+              </a:rPr>
+              <a:t>We would look at a larger number of restaurants and assess grouping more thoroughly.</a:t>
+            </a:r>
+          </a:p>
+          <a:p>
+            <a:pPr lvl="1">
+              <a:buFont typeface="Wingdings 2" panose="05020102010507070707" pitchFamily="18" charset="2"/>
+              <a:buChar char=""/>
+            </a:pPr>
+            <a:r>
+              <a:rPr lang="en-GB" b="0" i="0" dirty="0">
+                <a:solidFill>
+                  <a:srgbClr val="D1D2D3"/>
+                </a:solidFill>
+                <a:effectLst/>
+              </a:rPr>
+              <a:t>Look at other APIs and do further validation - perhaps more public ones such as Google Maps and Foursquare APIs.</a:t>
+            </a:r>
+          </a:p>
+          <a:p>
+            <a:pPr algn="l">
+              <a:buFont typeface="Wingdings 2" panose="05020102010507070707" pitchFamily="18" charset="2"/>
+              <a:buChar char=""/>
+            </a:pPr>
+            <a:endParaRPr lang="en-GB" b="0" i="0" dirty="0">
+              <a:solidFill>
+                <a:srgbClr val="D1D2D3"/>
+              </a:solidFill>
+              <a:effectLst/>
+            </a:endParaRPr>
+          </a:p>
+        </p:txBody>
+      </p:sp>
+      <p:sp>
+        <p:nvSpPr>
+          <p:cNvPr id="4" name="Slide Number Placeholder 3">
+            <a:extLst>
+              <a:ext uri="{FF2B5EF4-FFF2-40B4-BE49-F238E27FC236}">
+                <a16:creationId xmlns:a16="http://schemas.microsoft.com/office/drawing/2014/main" id="{B3BBCF40-B603-4029-9D06-76268D6D9218}"/>
+              </a:ext>
+            </a:extLst>
+          </p:cNvPr>
+          <p:cNvSpPr>
+            <a:spLocks noGrp="1"/>
+          </p:cNvSpPr>
+          <p:nvPr>
+            <p:ph type="sldNum" sz="quarter" idx="12"/>
+          </p:nvPr>
+        </p:nvSpPr>
+        <p:spPr/>
+        <p:txBody>
+          <a:bodyPr/>
+          <a:lstStyle/>
+          <a:p>
+            <a:fld id="{D57F1E4F-1CFF-5643-939E-217C01CDF565}" type="slidenum">
+              <a:rPr lang="en-US" smtClean="0"/>
+              <a:pPr/>
+              <a:t>13</a:t>
+            </a:fld>
+            <a:endParaRPr lang="en-US" dirty="0"/>
+          </a:p>
+        </p:txBody>
+      </p:sp>
+    </p:spTree>
+    <p:extLst>
+      <p:ext uri="{BB962C8B-B14F-4D97-AF65-F5344CB8AC3E}">
+        <p14:creationId xmlns:p14="http://schemas.microsoft.com/office/powerpoint/2010/main" val="3933019704"/>
+      </p:ext>
+    </p:extLst>
+  </p:cSld>
+  <p:clrMapOvr>
+    <a:masterClrMapping/>
+  </p:clrMapOvr>
+</p:sld>
+</file>
+
+<file path=ppt/slides/slide14.xml><?xml version="1.0" encoding="utf-8"?>
+<p:sld xmlns:a="http://schemas.openxmlformats.org/drawingml/2006/main" xmlns:r="http://schemas.openxmlformats.org/officeDocument/2006/relationships" xmlns:p="http://schemas.openxmlformats.org/presentationml/2006/main">
+  <p:cSld>
+    <p:spTree>
+      <p:nvGrpSpPr>
+        <p:cNvPr id="1" name=""/>
+        <p:cNvGrpSpPr/>
+        <p:nvPr/>
+      </p:nvGrpSpPr>
+      <p:grpSpPr>
+        <a:xfrm>
+          <a:off x="0" y="0"/>
+          <a:ext cx="0" cy="0"/>
+          <a:chOff x="0" y="0"/>
+          <a:chExt cx="0" cy="0"/>
+        </a:xfrm>
+      </p:grpSpPr>
+      <p:sp>
+        <p:nvSpPr>
+          <p:cNvPr id="2" name="Title 1">
+            <a:extLst>
+              <a:ext uri="{FF2B5EF4-FFF2-40B4-BE49-F238E27FC236}">
                 <a16:creationId xmlns:a16="http://schemas.microsoft.com/office/drawing/2014/main" id="{B5FBE676-157D-4DF0-A5D1-B9C1F3D9CA95}"/>
               </a:ext>
             </a:extLst>
@@ -3958,7 +4265,7 @@
             <a:fld id="{D57F1E4F-1CFF-5643-939E-217C01CDF565}" type="slidenum">
               <a:rPr lang="en-US" smtClean="0"/>
               <a:pPr/>
-              <a:t>13</a:t>
+              <a:t>14</a:t>
             </a:fld>
             <a:endParaRPr lang="en-US" dirty="0"/>
           </a:p>
@@ -4084,7 +4391,7 @@
             </a:br>
             <a:r>
               <a:rPr lang="en-AU" sz="2800" dirty="0"/>
-              <a:t>Summary</a:t>
+              <a:t>Hypothesis, Questions and Overall Findings</a:t>
             </a:r>
           </a:p>
         </p:txBody>
@@ -4123,34 +4430,45 @@
             </a:r>
           </a:p>
           <a:p>
-            <a:pPr marL="457200" lvl="1" indent="0">
-              <a:buNone/>
+            <a:pPr lvl="1">
+              <a:buSzPct val="150000"/>
+              <a:buFont typeface="Arial" panose="020B0604020202020204" pitchFamily="34" charset="0"/>
+              <a:buChar char="•"/>
             </a:pPr>
             <a:r>
               <a:rPr lang="en-AU" dirty="0"/>
-              <a:t>We always believe Melbourne is the cultural capital in Australia and is renowned for its fine dining.</a:t>
-            </a:r>
-          </a:p>
-          <a:p>
-            <a:pPr marL="457200" lvl="1" indent="0">
-              <a:buNone/>
+              <a:t>Melbourne is the cultural epicentre of Australia and renowned for quality and diversity of its food.</a:t>
+            </a:r>
+          </a:p>
+          <a:p>
+            <a:pPr lvl="1">
+              <a:buSzPct val="150000"/>
+              <a:buFont typeface="Arial" panose="020B0604020202020204" pitchFamily="34" charset="0"/>
+              <a:buChar char="•"/>
             </a:pPr>
             <a:r>
               <a:rPr lang="en-AU" dirty="0"/>
-              <a:t>We are going to explore to top restaurants across the five largest cities to confirm whether Melbourne is really the best! </a:t>
-            </a:r>
-            <a:r>
-              <a:rPr lang="en-AU" dirty="0">
-                <a:sym typeface="Wingdings" panose="05000000000000000000" pitchFamily="2" charset="2"/>
-              </a:rPr>
-              <a:t></a:t>
-            </a:r>
-          </a:p>
-          <a:p>
-            <a:pPr marL="457200" lvl="1" indent="0">
-              <a:buNone/>
-            </a:pPr>
-            <a:endParaRPr lang="en-AU" dirty="0"/>
+              <a:t>Melbourne has the best restaurants of the five largest cities in Australia.</a:t>
+            </a:r>
+          </a:p>
+          <a:p>
+            <a:endParaRPr lang="en-GB" dirty="0"/>
+          </a:p>
+          <a:p>
+            <a:r>
+              <a:rPr lang="en-GB" dirty="0"/>
+              <a:t>Questions:</a:t>
+            </a:r>
+          </a:p>
+          <a:p>
+            <a:pPr lvl="1"/>
+            <a:r>
+              <a:rPr lang="en-GB" dirty="0"/>
+              <a:t>Does Melbourne really have the best restaurants in Australia based on price, ratings and diversity of cuisines?</a:t>
+            </a:r>
+          </a:p>
+          <a:p>
+            <a:endParaRPr lang="en-GB" dirty="0"/>
           </a:p>
           <a:p>
             <a:r>
@@ -4159,38 +4477,14 @@
             </a:r>
           </a:p>
           <a:p>
-            <a:pPr lvl="1"/>
+            <a:pPr lvl="1">
+              <a:buSzPct val="150000"/>
+              <a:buFont typeface="Arial" panose="020B0604020202020204" pitchFamily="34" charset="0"/>
+              <a:buChar char="•"/>
+            </a:pPr>
             <a:r>
               <a:rPr lang="en-GB" dirty="0"/>
-              <a:t>Almost 50% of the top 100 restaurants in Australia are in Melbourne.</a:t>
-            </a:r>
-          </a:p>
-          <a:p>
-            <a:pPr lvl="1"/>
-            <a:r>
-              <a:rPr lang="en-GB" dirty="0"/>
-              <a:t>Melbourne Top 100 restaurants have on average a slightly higher rating than the other cities.</a:t>
-            </a:r>
-          </a:p>
-          <a:p>
-            <a:pPr lvl="1"/>
-            <a:r>
-              <a:rPr lang="en-GB" dirty="0"/>
-              <a:t>However the average cost for two people in Melbourne’s Top restaurants is $20 more than the top restaurants in Sydney and $40 higher than the other cities. </a:t>
-            </a:r>
-          </a:p>
-          <a:p>
-            <a:pPr lvl="1"/>
-            <a:r>
-              <a:rPr lang="en-GB" dirty="0"/>
-              <a:t>The variety of cuisines is similar in all cities.</a:t>
-            </a:r>
-          </a:p>
-          <a:p>
-            <a:pPr lvl="1"/>
-            <a:r>
-              <a:rPr lang="en-GB" dirty="0"/>
-              <a:t>So Melbourne restaurants can be seen as the best based on user ratings, but you have to spend more. Either Melbournians love their restaurants and are ready to pay more. Or because Melbourne is renowned for its fine dining, top restaurants can charge more for it.</a:t>
+              <a:t>Melbourne has the highest rated restaurants however it comes at a higher price.</a:t>
             </a:r>
           </a:p>
         </p:txBody>
@@ -4228,7 +4522,7 @@
     </p:spTree>
     <p:extLst>
       <p:ext uri="{BB962C8B-B14F-4D97-AF65-F5344CB8AC3E}">
-        <p14:creationId xmlns:p14="http://schemas.microsoft.com/office/powerpoint/2010/main" val="794023475"/>
+        <p14:creationId xmlns:p14="http://schemas.microsoft.com/office/powerpoint/2010/main" val="3026841964"/>
       </p:ext>
     </p:extLst>
   </p:cSld>
@@ -4343,7 +4637,11 @@
             </a:r>
           </a:p>
           <a:p>
-            <a:pPr lvl="1"/>
+            <a:pPr lvl="1">
+              <a:buSzPct val="150000"/>
+              <a:buFont typeface="Arial" panose="020B0604020202020204" pitchFamily="34" charset="0"/>
+              <a:buChar char="•"/>
+            </a:pPr>
             <a:r>
               <a:rPr lang="en-AU" dirty="0"/>
               <a:t>Top 100 restaurants of Melbourne, Sydney, Brisbane, Adelaide, Perth</a:t>
@@ -4356,21 +4654,33 @@
             </a:r>
           </a:p>
           <a:p>
-            <a:pPr lvl="1"/>
+            <a:pPr lvl="1">
+              <a:buSzPct val="150000"/>
+              <a:buFont typeface="Arial" panose="020B0604020202020204" pitchFamily="34" charset="0"/>
+              <a:buChar char="•"/>
+            </a:pPr>
             <a:r>
               <a:rPr lang="en-AU" dirty="0"/>
               <a:t>Finalising the API enquiry</a:t>
             </a:r>
           </a:p>
           <a:p>
-            <a:pPr lvl="1"/>
+            <a:pPr lvl="1">
+              <a:buSzPct val="150000"/>
+              <a:buFont typeface="Arial" panose="020B0604020202020204" pitchFamily="34" charset="0"/>
+              <a:buChar char="•"/>
+            </a:pPr>
             <a:r>
               <a:rPr lang="en-AU" dirty="0"/>
               <a:t>The limitation of 100 restaurants maximum per call.</a:t>
             </a:r>
           </a:p>
           <a:p>
-            <a:pPr lvl="1"/>
+            <a:pPr lvl="1">
+              <a:buSzPct val="150000"/>
+              <a:buFont typeface="Arial" panose="020B0604020202020204" pitchFamily="34" charset="0"/>
+              <a:buChar char="•"/>
+            </a:pPr>
             <a:r>
               <a:rPr lang="en-AU" dirty="0"/>
               <a:t>We actually wanted a 1000 per city instead.</a:t>
@@ -4383,14 +4693,22 @@
             </a:r>
           </a:p>
           <a:p>
-            <a:pPr lvl="1"/>
+            <a:pPr lvl="1">
+              <a:buSzPct val="150000"/>
+              <a:buFont typeface="Arial" panose="020B0604020202020204" pitchFamily="34" charset="0"/>
+              <a:buChar char="•"/>
+            </a:pPr>
             <a:r>
               <a:rPr lang="en-AU" dirty="0"/>
               <a:t>By choosing the five cities, some other excellent restaurants can be in country Australia.</a:t>
             </a:r>
           </a:p>
           <a:p>
-            <a:pPr lvl="1"/>
+            <a:pPr lvl="1">
+              <a:buSzPct val="150000"/>
+              <a:buFont typeface="Arial" panose="020B0604020202020204" pitchFamily="34" charset="0"/>
+              <a:buChar char="•"/>
+            </a:pPr>
             <a:r>
               <a:rPr lang="en-AU" dirty="0"/>
               <a:t>We were interested in the best restaurants where most Australians live.</a:t>
@@ -4463,7 +4781,7 @@
           <p:cNvPr id="2" name="Title 1">
             <a:extLst>
               <a:ext uri="{FF2B5EF4-FFF2-40B4-BE49-F238E27FC236}">
-                <a16:creationId xmlns:a16="http://schemas.microsoft.com/office/drawing/2014/main" id="{4E2E933F-4349-4E8C-96F9-6668B42C569D}"/>
+                <a16:creationId xmlns:a16="http://schemas.microsoft.com/office/drawing/2014/main" id="{67A518C5-9F89-4A38-BF77-34D0188CC32D}"/>
               </a:ext>
             </a:extLst>
           </p:cNvPr>
@@ -4481,69 +4799,37 @@
           <a:p>
             <a:r>
               <a:rPr lang="en-AU" dirty="0"/>
-              <a:t>Clean up </a:t>
-            </a:r>
-          </a:p>
-        </p:txBody>
-      </p:sp>
-      <p:sp>
-        <p:nvSpPr>
-          <p:cNvPr id="3" name="Content Placeholder 2">
+              <a:t>Zomato Restaurant Reviews</a:t>
+            </a:r>
+            <a:br>
+              <a:rPr lang="en-AU" sz="2800" dirty="0"/>
+            </a:br>
+            <a:r>
+              <a:rPr lang="en-AU" sz="2000" dirty="0"/>
+              <a:t>Teal Rabbits</a:t>
+            </a:r>
+            <a:br>
+              <a:rPr lang="en-AU" sz="2000" dirty="0"/>
+            </a:br>
+            <a:br>
+              <a:rPr lang="en-AU" sz="2000" dirty="0"/>
+            </a:br>
+            <a:br>
+              <a:rPr lang="en-AU" sz="2000" dirty="0"/>
+            </a:br>
+            <a:r>
+              <a:rPr lang="en-AU" dirty="0"/>
+              <a:t>Data Clean-Up</a:t>
+            </a:r>
+          </a:p>
+        </p:txBody>
+      </p:sp>
+      <p:sp>
+        <p:nvSpPr>
+          <p:cNvPr id="7" name="Slide Number Placeholder 6">
             <a:extLst>
               <a:ext uri="{FF2B5EF4-FFF2-40B4-BE49-F238E27FC236}">
-                <a16:creationId xmlns:a16="http://schemas.microsoft.com/office/drawing/2014/main" id="{199D60B2-C3B1-4DB9-82D7-E42CF4965E33}"/>
-              </a:ext>
-            </a:extLst>
-          </p:cNvPr>
-          <p:cNvSpPr>
-            <a:spLocks noGrp="1"/>
-          </p:cNvSpPr>
-          <p:nvPr>
-            <p:ph idx="1"/>
-          </p:nvPr>
-        </p:nvSpPr>
-        <p:spPr/>
-        <p:txBody>
-          <a:bodyPr/>
-          <a:lstStyle/>
-          <a:p>
-            <a:r>
-              <a:rPr lang="en-AU" dirty="0"/>
-              <a:t>Cleaning the data</a:t>
-            </a:r>
-          </a:p>
-          <a:p>
-            <a:pPr lvl="1"/>
-            <a:r>
-              <a:rPr lang="en-AU" dirty="0"/>
-              <a:t>The data was really clean</a:t>
-            </a:r>
-          </a:p>
-          <a:p>
-            <a:pPr lvl="1"/>
-            <a:r>
-              <a:rPr lang="en-AU" dirty="0"/>
-              <a:t>Removal of three rows due to ‘Average Cost for two’ not relevant</a:t>
-            </a:r>
-          </a:p>
-          <a:p>
-            <a:pPr lvl="1"/>
-            <a:r>
-              <a:rPr lang="en-AU" dirty="0"/>
-              <a:t>22 missing Zip codes – didn’t remove the rows as we didn’t need them for our analysis</a:t>
-            </a:r>
-          </a:p>
-          <a:p>
-            <a:endParaRPr lang="en-AU" dirty="0"/>
-          </a:p>
-        </p:txBody>
-      </p:sp>
-      <p:sp>
-        <p:nvSpPr>
-          <p:cNvPr id="4" name="Slide Number Placeholder 3">
-            <a:extLst>
-              <a:ext uri="{FF2B5EF4-FFF2-40B4-BE49-F238E27FC236}">
-                <a16:creationId xmlns:a16="http://schemas.microsoft.com/office/drawing/2014/main" id="{7A504EA7-2BB0-44E0-BA62-140461EEA797}"/>
+                <a16:creationId xmlns:a16="http://schemas.microsoft.com/office/drawing/2014/main" id="{E14D30D1-E5B7-45C2-BCD7-E494B6D0E10E}"/>
               </a:ext>
             </a:extLst>
           </p:cNvPr>
@@ -4568,10 +4854,328 @@
           </a:p>
         </p:txBody>
       </p:sp>
+      <p:pic>
+        <p:nvPicPr>
+          <p:cNvPr id="8" name="Content Placeholder 6" descr="A screenshot of a social media post&#10;&#10;Description automatically generated">
+            <a:extLst>
+              <a:ext uri="{FF2B5EF4-FFF2-40B4-BE49-F238E27FC236}">
+                <a16:creationId xmlns:a16="http://schemas.microsoft.com/office/drawing/2014/main" id="{6607C2AF-C3EF-423D-8141-722CCACCBFDC}"/>
+              </a:ext>
+            </a:extLst>
+          </p:cNvPr>
+          <p:cNvPicPr>
+            <a:picLocks noGrp="1" noChangeAspect="1"/>
+          </p:cNvPicPr>
+          <p:nvPr>
+            <p:ph sz="half" idx="2"/>
+          </p:nvPr>
+        </p:nvPicPr>
+        <p:blipFill rotWithShape="1">
+          <a:blip r:embed="rId2">
+            <a:extLst>
+              <a:ext uri="{28A0092B-C50C-407E-A947-70E740481C1C}">
+                <a14:useLocalDpi xmlns:a14="http://schemas.microsoft.com/office/drawing/2010/main" val="0"/>
+              </a:ext>
+            </a:extLst>
+          </a:blip>
+          <a:srcRect r="2195" b="10051"/>
+          <a:stretch/>
+        </p:blipFill>
+        <p:spPr>
+          <a:xfrm>
+            <a:off x="2980053" y="2287501"/>
+            <a:ext cx="8953702" cy="4132201"/>
+          </a:xfrm>
+        </p:spPr>
+      </p:pic>
+      <p:sp>
+        <p:nvSpPr>
+          <p:cNvPr id="9" name="Text Placeholder 3">
+            <a:extLst>
+              <a:ext uri="{FF2B5EF4-FFF2-40B4-BE49-F238E27FC236}">
+                <a16:creationId xmlns:a16="http://schemas.microsoft.com/office/drawing/2014/main" id="{9DBC1EC9-08AA-49B3-B3F0-E9EE40E9ABE9}"/>
+              </a:ext>
+            </a:extLst>
+          </p:cNvPr>
+          <p:cNvSpPr txBox="1">
+            <a:spLocks/>
+          </p:cNvSpPr>
+          <p:nvPr/>
+        </p:nvSpPr>
+        <p:spPr>
+          <a:xfrm>
+            <a:off x="258245" y="2308282"/>
+            <a:ext cx="2563977" cy="4125531"/>
+          </a:xfrm>
+          <a:prstGeom prst="rect">
+            <a:avLst/>
+          </a:prstGeom>
+          <a:effectLst>
+            <a:outerShdw blurRad="50800" dir="14400000">
+              <a:srgbClr val="000000">
+                <a:alpha val="40000"/>
+              </a:srgbClr>
+            </a:outerShdw>
+          </a:effectLst>
+        </p:spPr>
+        <p:txBody>
+          <a:bodyPr vert="horz" lIns="91440" tIns="45720" rIns="91440" bIns="45720" rtlCol="0" anchor="t">
+            <a:normAutofit/>
+          </a:bodyPr>
+          <a:lstStyle>
+            <a:lvl1pPr marL="342900" indent="-342900" algn="l" defTabSz="457200" rtl="0" eaLnBrk="1" latinLnBrk="0" hangingPunct="1">
+              <a:spcBef>
+                <a:spcPct val="20000"/>
+              </a:spcBef>
+              <a:spcAft>
+                <a:spcPts val="600"/>
+              </a:spcAft>
+              <a:buClr>
+                <a:schemeClr val="accent1"/>
+              </a:buClr>
+              <a:buFont typeface="Wingdings 2" charset="2"/>
+              <a:buChar char=""/>
+              <a:defRPr sz="1800" kern="1200">
+                <a:solidFill>
+                  <a:schemeClr val="tx1"/>
+                </a:solidFill>
+                <a:latin typeface="+mn-lt"/>
+                <a:ea typeface="+mn-ea"/>
+                <a:cs typeface="+mn-cs"/>
+              </a:defRPr>
+            </a:lvl1pPr>
+            <a:lvl2pPr marL="742950" indent="-285750" algn="l" defTabSz="457200" rtl="0" eaLnBrk="1" latinLnBrk="0" hangingPunct="1">
+              <a:spcBef>
+                <a:spcPct val="20000"/>
+              </a:spcBef>
+              <a:spcAft>
+                <a:spcPts val="600"/>
+              </a:spcAft>
+              <a:buClr>
+                <a:schemeClr val="accent1"/>
+              </a:buClr>
+              <a:buFont typeface="Wingdings 2" charset="2"/>
+              <a:buChar char=""/>
+              <a:defRPr sz="1600" kern="1200">
+                <a:solidFill>
+                  <a:schemeClr val="tx1"/>
+                </a:solidFill>
+                <a:latin typeface="+mn-lt"/>
+                <a:ea typeface="+mn-ea"/>
+                <a:cs typeface="+mn-cs"/>
+              </a:defRPr>
+            </a:lvl2pPr>
+            <a:lvl3pPr marL="1143000" indent="-228600" algn="l" defTabSz="457200" rtl="0" eaLnBrk="1" latinLnBrk="0" hangingPunct="1">
+              <a:spcBef>
+                <a:spcPct val="20000"/>
+              </a:spcBef>
+              <a:spcAft>
+                <a:spcPts val="600"/>
+              </a:spcAft>
+              <a:buClr>
+                <a:schemeClr val="accent1"/>
+              </a:buClr>
+              <a:buFont typeface="Wingdings 2" charset="2"/>
+              <a:buChar char=""/>
+              <a:defRPr sz="1400" kern="1200">
+                <a:solidFill>
+                  <a:schemeClr val="tx1"/>
+                </a:solidFill>
+                <a:latin typeface="+mn-lt"/>
+                <a:ea typeface="+mn-ea"/>
+                <a:cs typeface="+mn-cs"/>
+              </a:defRPr>
+            </a:lvl3pPr>
+            <a:lvl4pPr marL="1600200" indent="-228600" algn="l" defTabSz="457200" rtl="0" eaLnBrk="1" latinLnBrk="0" hangingPunct="1">
+              <a:spcBef>
+                <a:spcPct val="20000"/>
+              </a:spcBef>
+              <a:spcAft>
+                <a:spcPts val="600"/>
+              </a:spcAft>
+              <a:buClr>
+                <a:schemeClr val="accent1"/>
+              </a:buClr>
+              <a:buFont typeface="Wingdings 2" charset="2"/>
+              <a:buChar char=""/>
+              <a:defRPr sz="1200" kern="1200">
+                <a:solidFill>
+                  <a:schemeClr val="tx1"/>
+                </a:solidFill>
+                <a:latin typeface="+mn-lt"/>
+                <a:ea typeface="+mn-ea"/>
+                <a:cs typeface="+mn-cs"/>
+              </a:defRPr>
+            </a:lvl4pPr>
+            <a:lvl5pPr marL="2057400" indent="-228600" algn="l" defTabSz="457200" rtl="0" eaLnBrk="1" latinLnBrk="0" hangingPunct="1">
+              <a:spcBef>
+                <a:spcPct val="20000"/>
+              </a:spcBef>
+              <a:spcAft>
+                <a:spcPts val="600"/>
+              </a:spcAft>
+              <a:buClr>
+                <a:schemeClr val="accent1"/>
+              </a:buClr>
+              <a:buFont typeface="Wingdings 2" charset="2"/>
+              <a:buChar char=""/>
+              <a:defRPr sz="1200" kern="1200">
+                <a:solidFill>
+                  <a:schemeClr val="tx1"/>
+                </a:solidFill>
+                <a:latin typeface="+mn-lt"/>
+                <a:ea typeface="+mn-ea"/>
+                <a:cs typeface="+mn-cs"/>
+              </a:defRPr>
+            </a:lvl5pPr>
+            <a:lvl6pPr marL="2400000" indent="-228600" algn="l" defTabSz="457200" rtl="0" eaLnBrk="1" latinLnBrk="0" hangingPunct="1">
+              <a:spcBef>
+                <a:spcPct val="20000"/>
+              </a:spcBef>
+              <a:spcAft>
+                <a:spcPts val="600"/>
+              </a:spcAft>
+              <a:buClr>
+                <a:schemeClr val="accent1"/>
+              </a:buClr>
+              <a:buFont typeface="Wingdings 2" charset="2"/>
+              <a:buChar char=""/>
+              <a:defRPr sz="1200" kern="1200">
+                <a:solidFill>
+                  <a:schemeClr val="tx1"/>
+                </a:solidFill>
+                <a:latin typeface="+mn-lt"/>
+                <a:ea typeface="+mn-ea"/>
+                <a:cs typeface="+mn-cs"/>
+              </a:defRPr>
+            </a:lvl6pPr>
+            <a:lvl7pPr marL="2800000" indent="-228600" algn="l" defTabSz="457200" rtl="0" eaLnBrk="1" latinLnBrk="0" hangingPunct="1">
+              <a:spcBef>
+                <a:spcPct val="20000"/>
+              </a:spcBef>
+              <a:spcAft>
+                <a:spcPts val="600"/>
+              </a:spcAft>
+              <a:buClr>
+                <a:schemeClr val="accent1"/>
+              </a:buClr>
+              <a:buFont typeface="Wingdings 2" charset="2"/>
+              <a:buChar char=""/>
+              <a:defRPr sz="1200" kern="1200">
+                <a:solidFill>
+                  <a:schemeClr val="tx1"/>
+                </a:solidFill>
+                <a:latin typeface="+mn-lt"/>
+                <a:ea typeface="+mn-ea"/>
+                <a:cs typeface="+mn-cs"/>
+              </a:defRPr>
+            </a:lvl7pPr>
+            <a:lvl8pPr marL="3200000" indent="-228600" algn="l" defTabSz="457200" rtl="0" eaLnBrk="1" latinLnBrk="0" hangingPunct="1">
+              <a:spcBef>
+                <a:spcPct val="20000"/>
+              </a:spcBef>
+              <a:spcAft>
+                <a:spcPts val="600"/>
+              </a:spcAft>
+              <a:buClr>
+                <a:schemeClr val="accent1"/>
+              </a:buClr>
+              <a:buFont typeface="Wingdings 2" charset="2"/>
+              <a:buChar char=""/>
+              <a:defRPr sz="1200" kern="1200">
+                <a:solidFill>
+                  <a:schemeClr val="tx1"/>
+                </a:solidFill>
+                <a:latin typeface="+mn-lt"/>
+                <a:ea typeface="+mn-ea"/>
+                <a:cs typeface="+mn-cs"/>
+              </a:defRPr>
+            </a:lvl8pPr>
+            <a:lvl9pPr marL="3600000" indent="-228600" algn="l" defTabSz="457200" rtl="0" eaLnBrk="1" latinLnBrk="0" hangingPunct="1">
+              <a:spcBef>
+                <a:spcPct val="20000"/>
+              </a:spcBef>
+              <a:spcAft>
+                <a:spcPts val="600"/>
+              </a:spcAft>
+              <a:buClr>
+                <a:schemeClr val="accent1"/>
+              </a:buClr>
+              <a:buFont typeface="Wingdings 2" charset="2"/>
+              <a:buChar char=""/>
+              <a:defRPr sz="1200" kern="1200">
+                <a:solidFill>
+                  <a:schemeClr val="tx1"/>
+                </a:solidFill>
+                <a:latin typeface="+mn-lt"/>
+                <a:ea typeface="+mn-ea"/>
+                <a:cs typeface="+mn-cs"/>
+              </a:defRPr>
+            </a:lvl9pPr>
+          </a:lstStyle>
+          <a:p>
+            <a:pPr marL="285750" indent="-285750">
+              <a:buSzPct val="100000"/>
+              <a:buFont typeface="Wingdings 2" panose="05020102010507070707" pitchFamily="18" charset="2"/>
+              <a:buChar char=""/>
+            </a:pPr>
+            <a:endParaRPr lang="en-AU" dirty="0"/>
+          </a:p>
+          <a:p>
+            <a:pPr marL="285750" indent="-285750">
+              <a:buSzPct val="100000"/>
+              <a:buFont typeface="Wingdings 2" panose="05020102010507070707" pitchFamily="18" charset="2"/>
+              <a:buChar char=""/>
+            </a:pPr>
+            <a:endParaRPr lang="en-AU" dirty="0"/>
+          </a:p>
+          <a:p>
+            <a:pPr marL="285750" indent="-285750">
+              <a:buSzPct val="100000"/>
+              <a:buFont typeface="Wingdings 2" panose="05020102010507070707" pitchFamily="18" charset="2"/>
+              <a:buChar char=""/>
+            </a:pPr>
+            <a:endParaRPr lang="en-AU" dirty="0"/>
+          </a:p>
+          <a:p>
+            <a:pPr marL="285750" indent="-285750">
+              <a:buSzPct val="100000"/>
+              <a:buFont typeface="Wingdings 2" panose="05020102010507070707" pitchFamily="18" charset="2"/>
+              <a:buChar char=""/>
+            </a:pPr>
+            <a:r>
+              <a:rPr lang="en-AU" dirty="0"/>
+              <a:t>Initial clean</a:t>
+            </a:r>
+          </a:p>
+          <a:p>
+            <a:pPr lvl="1">
+              <a:buSzPct val="100000"/>
+              <a:buFont typeface="Courier New" panose="02070309020205020404" pitchFamily="49" charset="0"/>
+              <a:buChar char="o"/>
+            </a:pPr>
+            <a:r>
+              <a:rPr lang="en-AU" dirty="0"/>
+              <a:t>Cleaning of top 500 restaurants</a:t>
+            </a:r>
+          </a:p>
+          <a:p>
+            <a:pPr lvl="1">
+              <a:buSzPct val="100000"/>
+              <a:buFont typeface="Courier New" panose="02070309020205020404" pitchFamily="49" charset="0"/>
+              <a:buChar char="o"/>
+            </a:pPr>
+            <a:r>
+              <a:rPr lang="en-AU" dirty="0"/>
+              <a:t>Creation of CSV of the top 500 restaurants</a:t>
+            </a:r>
+          </a:p>
+        </p:txBody>
+      </p:sp>
     </p:spTree>
     <p:extLst>
       <p:ext uri="{BB962C8B-B14F-4D97-AF65-F5344CB8AC3E}">
-        <p14:creationId xmlns:p14="http://schemas.microsoft.com/office/powerpoint/2010/main" val="3083928277"/>
+        <p14:creationId xmlns:p14="http://schemas.microsoft.com/office/powerpoint/2010/main" val="278778913"/>
       </p:ext>
     </p:extLst>
   </p:cSld>
@@ -4603,7 +5207,7 @@
           <p:cNvPr id="2" name="Title 1">
             <a:extLst>
               <a:ext uri="{FF2B5EF4-FFF2-40B4-BE49-F238E27FC236}">
-                <a16:creationId xmlns:a16="http://schemas.microsoft.com/office/drawing/2014/main" id="{83624837-6DE6-4254-AEEE-68A908474AC6}"/>
+                <a16:creationId xmlns:a16="http://schemas.microsoft.com/office/drawing/2014/main" id="{C189517A-43E3-4074-B5D6-5EAF9EF8451F}"/>
               </a:ext>
             </a:extLst>
           </p:cNvPr>
@@ -4641,7 +5245,7 @@
             </a:br>
             <a:r>
               <a:rPr lang="en-AU" dirty="0"/>
-              <a:t>Distribution of the Top 100 Restaurants in Australia</a:t>
+              <a:t>Data Clean-Up</a:t>
             </a:r>
           </a:p>
         </p:txBody>
@@ -4651,7 +5255,7 @@
           <p:cNvPr id="3" name="Text Placeholder 2">
             <a:extLst>
               <a:ext uri="{FF2B5EF4-FFF2-40B4-BE49-F238E27FC236}">
-                <a16:creationId xmlns:a16="http://schemas.microsoft.com/office/drawing/2014/main" id="{A899EE21-3662-480F-B8BB-9AFE81834CD5}"/>
+                <a16:creationId xmlns:a16="http://schemas.microsoft.com/office/drawing/2014/main" id="{A16DF679-AA84-42EF-A1AA-7520C8A9DD6E}"/>
               </a:ext>
             </a:extLst>
           </p:cNvPr>
@@ -4659,48 +5263,91 @@
             <a:spLocks noGrp="1"/>
           </p:cNvSpPr>
           <p:nvPr>
-            <p:ph sz="half" idx="2"/>
+            <p:ph type="body" idx="1"/>
           </p:nvPr>
         </p:nvSpPr>
         <p:spPr>
           <a:xfrm>
-            <a:off x="6187415" y="2222288"/>
-            <a:ext cx="5554419" cy="4443535"/>
+            <a:off x="295440" y="2174875"/>
+            <a:ext cx="11603049" cy="324000"/>
           </a:xfrm>
         </p:spPr>
         <p:txBody>
-          <a:bodyPr>
-            <a:normAutofit/>
-          </a:bodyPr>
+          <a:bodyPr/>
           <a:lstStyle/>
           <a:p>
-            <a:r>
-              <a:rPr lang="en-GB" sz="2000" dirty="0"/>
-              <a:t>Almost 45% of the Top 100 Restaurants are in Melbourne. Other cities fall a long way behind.</a:t>
-            </a:r>
-          </a:p>
-          <a:p>
-            <a:pPr lvl="1"/>
-            <a:r>
-              <a:rPr lang="en-GB" sz="1800" dirty="0"/>
-              <a:t>Restaurants have been ranked by user ratings and number of votes.</a:t>
-            </a:r>
-          </a:p>
-          <a:p>
-            <a:pPr lvl="1"/>
+            <a:pPr marL="285750" indent="-285750" algn="l">
+              <a:buFont typeface="Wingdings 2" panose="05020102010507070707" pitchFamily="18" charset="2"/>
+              <a:buChar char=""/>
+            </a:pPr>
             <a:r>
               <a:rPr lang="en-AU" sz="1800" dirty="0"/>
-              <a:t>This may be reflective of a disproportionate number of restaurants in other cities however our data is unable to confirm this.</a:t>
-            </a:r>
-          </a:p>
-        </p:txBody>
-      </p:sp>
-      <p:sp>
-        <p:nvSpPr>
-          <p:cNvPr id="9" name="Slide Number Placeholder 8">
+              <a:t>Clean of incorrect cells (Average cost for 2) </a:t>
+            </a:r>
+            <a:r>
+              <a:rPr lang="en-AU" sz="2800" b="1" dirty="0">
+                <a:solidFill>
+                  <a:schemeClr val="accent1"/>
+                </a:solidFill>
+              </a:rPr>
+              <a:t>→</a:t>
+            </a:r>
+            <a:r>
+              <a:rPr lang="en-AU" sz="1800" dirty="0"/>
+              <a:t> </a:t>
+            </a:r>
+            <a:r>
+              <a:rPr lang="en-AU" sz="1600" b="0" dirty="0">
+                <a:sym typeface="Wingdings" panose="05000000000000000000" pitchFamily="2" charset="2"/>
+              </a:rPr>
+              <a:t>Creation of CSV containing the top 497 restaurants</a:t>
+            </a:r>
+          </a:p>
+        </p:txBody>
+      </p:sp>
+      <p:sp>
+        <p:nvSpPr>
+          <p:cNvPr id="5" name="Text Placeholder 4">
             <a:extLst>
               <a:ext uri="{FF2B5EF4-FFF2-40B4-BE49-F238E27FC236}">
-                <a16:creationId xmlns:a16="http://schemas.microsoft.com/office/drawing/2014/main" id="{40FB2C73-3B05-439D-9744-D47232D47006}"/>
+                <a16:creationId xmlns:a16="http://schemas.microsoft.com/office/drawing/2014/main" id="{A1745FB5-B50A-4120-A752-147BC08E3E5B}"/>
+              </a:ext>
+            </a:extLst>
+          </p:cNvPr>
+          <p:cNvSpPr>
+            <a:spLocks noGrp="1"/>
+          </p:cNvSpPr>
+          <p:nvPr>
+            <p:ph type="body" sz="quarter" idx="3"/>
+          </p:nvPr>
+        </p:nvSpPr>
+        <p:spPr>
+          <a:xfrm>
+            <a:off x="295440" y="5666534"/>
+            <a:ext cx="11603049" cy="373644"/>
+          </a:xfrm>
+        </p:spPr>
+        <p:txBody>
+          <a:bodyPr/>
+          <a:lstStyle/>
+          <a:p>
+            <a:pPr marL="285750" indent="-285750" algn="l">
+              <a:buFont typeface="Wingdings 2" panose="05020102010507070707" pitchFamily="18" charset="2"/>
+              <a:buChar char=""/>
+            </a:pPr>
+            <a:r>
+              <a:rPr lang="en-AU" sz="1800" dirty="0"/>
+              <a:t>Calculation of the removed rows during the cleaning process</a:t>
+            </a:r>
+          </a:p>
+        </p:txBody>
+      </p:sp>
+      <p:sp>
+        <p:nvSpPr>
+          <p:cNvPr id="7" name="Slide Number Placeholder 6">
+            <a:extLst>
+              <a:ext uri="{FF2B5EF4-FFF2-40B4-BE49-F238E27FC236}">
+                <a16:creationId xmlns:a16="http://schemas.microsoft.com/office/drawing/2014/main" id="{A5B67D65-C622-4D92-BD91-2377478C947A}"/>
               </a:ext>
             </a:extLst>
           </p:cNvPr>
@@ -4727,10 +5374,10 @@
       </p:sp>
       <p:pic>
         <p:nvPicPr>
-          <p:cNvPr id="13" name="Content Placeholder 12">
+          <p:cNvPr id="8" name="Content Placeholder 4" descr="A screenshot of a computer&#10;&#10;Description automatically generated">
             <a:extLst>
               <a:ext uri="{FF2B5EF4-FFF2-40B4-BE49-F238E27FC236}">
-                <a16:creationId xmlns:a16="http://schemas.microsoft.com/office/drawing/2014/main" id="{C0040DCE-E399-41C4-A791-E1069EF2CD47}"/>
+                <a16:creationId xmlns:a16="http://schemas.microsoft.com/office/drawing/2014/main" id="{4FB660E7-8EC0-4E6F-9632-D734BDFB7888}"/>
               </a:ext>
             </a:extLst>
           </p:cNvPr>
@@ -4738,26 +5385,67 @@
             <a:picLocks noGrp="1" noChangeAspect="1"/>
           </p:cNvPicPr>
           <p:nvPr>
-            <p:ph sz="half" idx="1"/>
+            <p:ph sz="half" idx="2"/>
           </p:nvPr>
         </p:nvPicPr>
         <p:blipFill>
-          <a:blip r:embed="rId2"/>
+          <a:blip r:embed="rId2">
+            <a:extLst>
+              <a:ext uri="{28A0092B-C50C-407E-A947-70E740481C1C}">
+                <a14:useLocalDpi xmlns:a14="http://schemas.microsoft.com/office/drawing/2010/main" val="0"/>
+              </a:ext>
+            </a:extLst>
+          </a:blip>
           <a:stretch>
             <a:fillRect/>
           </a:stretch>
         </p:blipFill>
         <p:spPr>
           <a:xfrm>
-            <a:off x="245621" y="2222287"/>
-            <a:ext cx="5554419" cy="4443536"/>
+            <a:off x="904074" y="2523697"/>
+            <a:ext cx="10383849" cy="3118015"/>
           </a:xfrm>
+        </p:spPr>
+      </p:pic>
+      <p:pic>
+        <p:nvPicPr>
+          <p:cNvPr id="9" name="Picture 8" descr="A screenshot of a social media post&#10;&#10;Description automatically generated">
+            <a:extLst>
+              <a:ext uri="{FF2B5EF4-FFF2-40B4-BE49-F238E27FC236}">
+                <a16:creationId xmlns:a16="http://schemas.microsoft.com/office/drawing/2014/main" id="{8E1D9843-6CD1-4C3D-8645-C4C161449814}"/>
+              </a:ext>
+            </a:extLst>
+          </p:cNvPr>
+          <p:cNvPicPr>
+            <a:picLocks noChangeAspect="1"/>
+          </p:cNvPicPr>
+          <p:nvPr/>
+        </p:nvPicPr>
+        <p:blipFill rotWithShape="1">
+          <a:blip r:embed="rId3">
+            <a:extLst>
+              <a:ext uri="{28A0092B-C50C-407E-A947-70E740481C1C}">
+                <a14:useLocalDpi xmlns:a14="http://schemas.microsoft.com/office/drawing/2010/main" val="0"/>
+              </a:ext>
+            </a:extLst>
+          </a:blip>
+          <a:srcRect t="75602" b="5726"/>
+          <a:stretch/>
+        </p:blipFill>
+        <p:spPr>
+          <a:xfrm>
+            <a:off x="1318545" y="6040178"/>
+            <a:ext cx="9554908" cy="464235"/>
+          </a:xfrm>
+          <a:prstGeom prst="rect">
+            <a:avLst/>
+          </a:prstGeom>
         </p:spPr>
       </p:pic>
     </p:spTree>
     <p:extLst>
       <p:ext uri="{BB962C8B-B14F-4D97-AF65-F5344CB8AC3E}">
-        <p14:creationId xmlns:p14="http://schemas.microsoft.com/office/powerpoint/2010/main" val="3016717130"/>
+        <p14:creationId xmlns:p14="http://schemas.microsoft.com/office/powerpoint/2010/main" val="358894202"/>
       </p:ext>
     </p:extLst>
   </p:cSld>
@@ -4789,7 +5477,7 @@
           <p:cNvPr id="2" name="Title 1">
             <a:extLst>
               <a:ext uri="{FF2B5EF4-FFF2-40B4-BE49-F238E27FC236}">
-                <a16:creationId xmlns:a16="http://schemas.microsoft.com/office/drawing/2014/main" id="{8E0C51D8-AF41-479F-91AC-3B3CEC234E32}"/>
+                <a16:creationId xmlns:a16="http://schemas.microsoft.com/office/drawing/2014/main" id="{9EE45685-6F2D-4964-81E7-4DBAF74A44E7}"/>
               </a:ext>
             </a:extLst>
           </p:cNvPr>
@@ -4826,8 +5514,8 @@
               <a:rPr lang="en-AU" sz="2000" dirty="0"/>
             </a:br>
             <a:r>
-              <a:rPr lang="en-AU" sz="2400" dirty="0"/>
-              <a:t>Average vs Median User Rating by City Across the Top 100 Restaurants</a:t>
+              <a:rPr lang="en-AU" dirty="0"/>
+              <a:t>Data Clean-Up</a:t>
             </a:r>
           </a:p>
         </p:txBody>
@@ -4837,7 +5525,7 @@
           <p:cNvPr id="3" name="Text Placeholder 2">
             <a:extLst>
               <a:ext uri="{FF2B5EF4-FFF2-40B4-BE49-F238E27FC236}">
-                <a16:creationId xmlns:a16="http://schemas.microsoft.com/office/drawing/2014/main" id="{7083E511-DC14-45D3-8B74-A8B6C1EFD590}"/>
+                <a16:creationId xmlns:a16="http://schemas.microsoft.com/office/drawing/2014/main" id="{806E1902-1679-4B57-A49C-70EE4DF1AB9F}"/>
               </a:ext>
             </a:extLst>
           </p:cNvPr>
@@ -4850,19 +5538,48 @@
         </p:nvSpPr>
         <p:spPr>
           <a:xfrm>
-            <a:off x="318016" y="2174875"/>
-            <a:ext cx="11647381" cy="576262"/>
+            <a:off x="327377" y="2120956"/>
+            <a:ext cx="11537243" cy="591256"/>
           </a:xfrm>
         </p:spPr>
         <p:txBody>
           <a:bodyPr/>
           <a:lstStyle/>
           <a:p>
-            <a:pPr algn="l"/>
+            <a:pPr marL="342900" indent="-342900" algn="l">
+              <a:spcBef>
+                <a:spcPts val="0"/>
+              </a:spcBef>
+              <a:spcAft>
+                <a:spcPts val="0"/>
+              </a:spcAft>
+              <a:buFont typeface="Wingdings 2" panose="05020102010507070707" pitchFamily="18" charset="2"/>
+              <a:buChar char=""/>
+            </a:pPr>
             <a:r>
               <a:rPr lang="en-AU" sz="1800" dirty="0"/>
-              <a:t>Melbourne already lags behind in average user ratings across the Top 100 restaurants in Australia however the difference is magnified when median user rating is considered.</a:t>
-            </a:r>
+              <a:t>Obtained top 100 restaurants based on user ratings</a:t>
+            </a:r>
+          </a:p>
+          <a:p>
+            <a:pPr marL="800100" lvl="1" indent="-342900">
+              <a:spcBef>
+                <a:spcPts val="0"/>
+              </a:spcBef>
+              <a:spcAft>
+                <a:spcPts val="0"/>
+              </a:spcAft>
+              <a:buSzPct val="150000"/>
+              <a:buFont typeface="Arial" panose="020B0604020202020204" pitchFamily="34" charset="0"/>
+              <a:buChar char="•"/>
+            </a:pPr>
+            <a:r>
+              <a:rPr lang="en-AU" sz="1600" b="0" dirty="0"/>
+              <a:t> Where user ratings were tied, total votes were considered</a:t>
+            </a:r>
+            <a:endParaRPr lang="en-AU" sz="1600" b="0" dirty="0">
+              <a:sym typeface="Wingdings" panose="05000000000000000000" pitchFamily="2" charset="2"/>
+            </a:endParaRPr>
           </a:p>
         </p:txBody>
       </p:sp>
@@ -4871,7 +5588,7 @@
           <p:cNvPr id="7" name="Slide Number Placeholder 6">
             <a:extLst>
               <a:ext uri="{FF2B5EF4-FFF2-40B4-BE49-F238E27FC236}">
-                <a16:creationId xmlns:a16="http://schemas.microsoft.com/office/drawing/2014/main" id="{250C179C-C5D4-4B05-998B-DD6EFE0E9537}"/>
+                <a16:creationId xmlns:a16="http://schemas.microsoft.com/office/drawing/2014/main" id="{F0BA9872-F925-4881-B92E-BD7D550E837E}"/>
               </a:ext>
             </a:extLst>
           </p:cNvPr>
@@ -4898,10 +5615,10 @@
       </p:sp>
       <p:pic>
         <p:nvPicPr>
-          <p:cNvPr id="33" name="Content Placeholder 32">
+          <p:cNvPr id="8" name="Content Placeholder 3" descr="A screenshot of a social media post&#10;&#10;Description automatically generated">
             <a:extLst>
               <a:ext uri="{FF2B5EF4-FFF2-40B4-BE49-F238E27FC236}">
-                <a16:creationId xmlns:a16="http://schemas.microsoft.com/office/drawing/2014/main" id="{95D8DBBB-8087-414A-B75B-D5070E921305}"/>
+                <a16:creationId xmlns:a16="http://schemas.microsoft.com/office/drawing/2014/main" id="{01EEB49A-A078-443F-B298-E6F6573B86C4}"/>
               </a:ext>
             </a:extLst>
           </p:cNvPr>
@@ -4912,52 +5629,31 @@
             <p:ph sz="half" idx="2"/>
           </p:nvPr>
         </p:nvPicPr>
-        <p:blipFill>
-          <a:blip r:embed="rId2"/>
-          <a:stretch>
-            <a:fillRect/>
-          </a:stretch>
+        <p:blipFill rotWithShape="1">
+          <a:blip r:embed="rId2">
+            <a:extLst>
+              <a:ext uri="{28A0092B-C50C-407E-A947-70E740481C1C}">
+                <a14:useLocalDpi xmlns:a14="http://schemas.microsoft.com/office/drawing/2010/main" val="0"/>
+              </a:ext>
+            </a:extLst>
+          </a:blip>
+          <a:srcRect b="8757"/>
+          <a:stretch/>
         </p:blipFill>
         <p:spPr>
           <a:xfrm>
-            <a:off x="318014" y="2751136"/>
-            <a:ext cx="5777983" cy="3851989"/>
+            <a:off x="1352082" y="2712212"/>
+            <a:ext cx="9487834" cy="3900488"/>
           </a:xfrm>
-        </p:spPr>
-      </p:pic>
-      <p:pic>
-        <p:nvPicPr>
-          <p:cNvPr id="31" name="Content Placeholder 30">
-            <a:extLst>
-              <a:ext uri="{FF2B5EF4-FFF2-40B4-BE49-F238E27FC236}">
-                <a16:creationId xmlns:a16="http://schemas.microsoft.com/office/drawing/2014/main" id="{2A05BC0C-0B97-433A-9A2C-5C2AD6A89E18}"/>
-              </a:ext>
-            </a:extLst>
-          </p:cNvPr>
-          <p:cNvPicPr>
-            <a:picLocks noGrp="1" noChangeAspect="1"/>
-          </p:cNvPicPr>
-          <p:nvPr>
-            <p:ph sz="quarter" idx="4"/>
-          </p:nvPr>
-        </p:nvPicPr>
-        <p:blipFill>
-          <a:blip r:embed="rId3"/>
-          <a:stretch>
-            <a:fillRect/>
-          </a:stretch>
-        </p:blipFill>
-        <p:spPr>
-          <a:xfrm>
-            <a:off x="6187415" y="2751138"/>
-            <a:ext cx="5777982" cy="3851988"/>
-          </a:xfrm>
+          <a:prstGeom prst="rect">
+            <a:avLst/>
+          </a:prstGeom>
         </p:spPr>
       </p:pic>
     </p:spTree>
     <p:extLst>
       <p:ext uri="{BB962C8B-B14F-4D97-AF65-F5344CB8AC3E}">
-        <p14:creationId xmlns:p14="http://schemas.microsoft.com/office/powerpoint/2010/main" val="1849769863"/>
+        <p14:creationId xmlns:p14="http://schemas.microsoft.com/office/powerpoint/2010/main" val="1079953570"/>
       </p:ext>
     </p:extLst>
   </p:cSld>
@@ -4989,7 +5685,7 @@
           <p:cNvPr id="2" name="Title 1">
             <a:extLst>
               <a:ext uri="{FF2B5EF4-FFF2-40B4-BE49-F238E27FC236}">
-                <a16:creationId xmlns:a16="http://schemas.microsoft.com/office/drawing/2014/main" id="{8E0C51D8-AF41-479F-91AC-3B3CEC234E32}"/>
+                <a16:creationId xmlns:a16="http://schemas.microsoft.com/office/drawing/2014/main" id="{83624837-6DE6-4254-AEEE-68A908474AC6}"/>
               </a:ext>
             </a:extLst>
           </p:cNvPr>
@@ -5026,8 +5722,8 @@
               <a:rPr lang="en-AU" sz="2000" dirty="0"/>
             </a:br>
             <a:r>
-              <a:rPr lang="en-AU" sz="2400" dirty="0"/>
-              <a:t>Average vs Median User Rating by City Across the Top 500 Restaurants</a:t>
+              <a:rPr lang="en-AU" dirty="0"/>
+              <a:t>Restaurant Distribution and Average User Rating</a:t>
             </a:r>
           </a:p>
         </p:txBody>
@@ -5037,7 +5733,7 @@
           <p:cNvPr id="3" name="Text Placeholder 2">
             <a:extLst>
               <a:ext uri="{FF2B5EF4-FFF2-40B4-BE49-F238E27FC236}">
-                <a16:creationId xmlns:a16="http://schemas.microsoft.com/office/drawing/2014/main" id="{7083E511-DC14-45D3-8B74-A8B6C1EFD590}"/>
+                <a16:creationId xmlns:a16="http://schemas.microsoft.com/office/drawing/2014/main" id="{A899EE21-3662-480F-B8BB-9AFE81834CD5}"/>
               </a:ext>
             </a:extLst>
           </p:cNvPr>
@@ -5045,33 +5741,34 @@
             <a:spLocks noGrp="1"/>
           </p:cNvSpPr>
           <p:nvPr>
-            <p:ph type="body" idx="1"/>
+            <p:ph sz="half" idx="2"/>
           </p:nvPr>
         </p:nvSpPr>
         <p:spPr>
           <a:xfrm>
-            <a:off x="318016" y="2174875"/>
-            <a:ext cx="11647381" cy="576262"/>
+            <a:off x="810000" y="2154940"/>
+            <a:ext cx="4750879" cy="839151"/>
           </a:xfrm>
         </p:spPr>
         <p:txBody>
-          <a:bodyPr/>
+          <a:bodyPr>
+            <a:normAutofit/>
+          </a:bodyPr>
           <a:lstStyle/>
           <a:p>
-            <a:pPr algn="l"/>
-            <a:r>
-              <a:rPr lang="en-AU" sz="1800" dirty="0"/>
-              <a:t>When doing the comparison of the top 500 restaurants however, Melbourne is ahead on average user ratings and equal with Sydney on median user rating.</a:t>
-            </a:r>
-          </a:p>
-        </p:txBody>
-      </p:sp>
-      <p:sp>
-        <p:nvSpPr>
-          <p:cNvPr id="7" name="Slide Number Placeholder 6">
+            <a:r>
+              <a:rPr lang="en-GB" sz="1600" dirty="0"/>
+              <a:t>Almost 45% of the Top 100 Restaurants are in Melbourne.</a:t>
+            </a:r>
+          </a:p>
+        </p:txBody>
+      </p:sp>
+      <p:sp>
+        <p:nvSpPr>
+          <p:cNvPr id="9" name="Slide Number Placeholder 8">
             <a:extLst>
               <a:ext uri="{FF2B5EF4-FFF2-40B4-BE49-F238E27FC236}">
-                <a16:creationId xmlns:a16="http://schemas.microsoft.com/office/drawing/2014/main" id="{250C179C-C5D4-4B05-998B-DD6EFE0E9537}"/>
+                <a16:creationId xmlns:a16="http://schemas.microsoft.com/office/drawing/2014/main" id="{40FB2C73-3B05-439D-9744-D47232D47006}"/>
               </a:ext>
             </a:extLst>
           </p:cNvPr>
@@ -5098,10 +5795,10 @@
       </p:sp>
       <p:pic>
         <p:nvPicPr>
-          <p:cNvPr id="10" name="Content Placeholder 9">
+          <p:cNvPr id="13" name="Content Placeholder 12">
             <a:extLst>
               <a:ext uri="{FF2B5EF4-FFF2-40B4-BE49-F238E27FC236}">
-                <a16:creationId xmlns:a16="http://schemas.microsoft.com/office/drawing/2014/main" id="{B6820FE1-5340-4866-A9F1-97A836D9D9BC}"/>
+                <a16:creationId xmlns:a16="http://schemas.microsoft.com/office/drawing/2014/main" id="{C0040DCE-E399-41C4-A791-E1069EF2CD47}"/>
               </a:ext>
             </a:extLst>
           </p:cNvPr>
@@ -5109,7 +5806,7 @@
             <a:picLocks noGrp="1" noChangeAspect="1"/>
           </p:cNvPicPr>
           <p:nvPr>
-            <p:ph sz="half" idx="2"/>
+            <p:ph sz="half" idx="1"/>
           </p:nvPr>
         </p:nvPicPr>
         <p:blipFill>
@@ -5120,26 +5817,24 @@
         </p:blipFill>
         <p:spPr>
           <a:xfrm>
-            <a:off x="425290" y="2996436"/>
-            <a:ext cx="5424396" cy="3616264"/>
+            <a:off x="928921" y="2999926"/>
+            <a:ext cx="4513035" cy="3610429"/>
           </a:xfrm>
         </p:spPr>
       </p:pic>
       <p:pic>
         <p:nvPicPr>
-          <p:cNvPr id="12" name="Content Placeholder 11">
+          <p:cNvPr id="6" name="Content Placeholder 9">
             <a:extLst>
               <a:ext uri="{FF2B5EF4-FFF2-40B4-BE49-F238E27FC236}">
-                <a16:creationId xmlns:a16="http://schemas.microsoft.com/office/drawing/2014/main" id="{BCAF9D18-4F99-4892-92B7-68915E27AF44}"/>
+                <a16:creationId xmlns:a16="http://schemas.microsoft.com/office/drawing/2014/main" id="{4934AE3E-FC76-46AB-85CF-2CFEC217D05F}"/>
               </a:ext>
             </a:extLst>
           </p:cNvPr>
           <p:cNvPicPr>
-            <a:picLocks noGrp="1" noChangeAspect="1"/>
+            <a:picLocks noChangeAspect="1"/>
           </p:cNvPicPr>
-          <p:nvPr>
-            <p:ph sz="quarter" idx="4"/>
-          </p:nvPr>
+          <p:nvPr/>
         </p:nvPicPr>
         <p:blipFill>
           <a:blip r:embed="rId3"/>
@@ -5149,15 +5844,259 @@
         </p:blipFill>
         <p:spPr>
           <a:xfrm>
-            <a:off x="6342316" y="2996436"/>
+            <a:off x="6165174" y="2997008"/>
             <a:ext cx="5424396" cy="3616264"/>
           </a:xfrm>
+          <a:prstGeom prst="rect">
+            <a:avLst/>
+          </a:prstGeom>
+          <a:effectLst>
+            <a:outerShdw blurRad="50800" dir="14400000">
+              <a:srgbClr val="000000">
+                <a:alpha val="40000"/>
+              </a:srgbClr>
+            </a:outerShdw>
+          </a:effectLst>
         </p:spPr>
       </p:pic>
+      <p:sp>
+        <p:nvSpPr>
+          <p:cNvPr id="7" name="Text Placeholder 2">
+            <a:extLst>
+              <a:ext uri="{FF2B5EF4-FFF2-40B4-BE49-F238E27FC236}">
+                <a16:creationId xmlns:a16="http://schemas.microsoft.com/office/drawing/2014/main" id="{DBAF63D1-173A-4053-B641-4FBFCFFE65FA}"/>
+              </a:ext>
+            </a:extLst>
+          </p:cNvPr>
+          <p:cNvSpPr txBox="1">
+            <a:spLocks/>
+          </p:cNvSpPr>
+          <p:nvPr/>
+        </p:nvSpPr>
+        <p:spPr>
+          <a:xfrm>
+            <a:off x="6165174" y="1997302"/>
+            <a:ext cx="5424396" cy="996789"/>
+          </a:xfrm>
+          <a:prstGeom prst="rect">
+            <a:avLst/>
+          </a:prstGeom>
+          <a:effectLst>
+            <a:outerShdw blurRad="50800" dir="14400000">
+              <a:srgbClr val="000000">
+                <a:alpha val="40000"/>
+              </a:srgbClr>
+            </a:outerShdw>
+          </a:effectLst>
+        </p:spPr>
+        <p:txBody>
+          <a:bodyPr vert="horz" lIns="91440" tIns="45720" rIns="91440" bIns="45720" rtlCol="0" anchor="ctr">
+            <a:normAutofit fontScale="92500" lnSpcReduction="10000"/>
+          </a:bodyPr>
+          <a:lstStyle>
+            <a:lvl1pPr marL="342900" indent="-342900" algn="l" defTabSz="457200" rtl="0" eaLnBrk="1" latinLnBrk="0" hangingPunct="1">
+              <a:spcBef>
+                <a:spcPct val="20000"/>
+              </a:spcBef>
+              <a:spcAft>
+                <a:spcPts val="600"/>
+              </a:spcAft>
+              <a:buClr>
+                <a:schemeClr val="accent1"/>
+              </a:buClr>
+              <a:buFont typeface="Wingdings 2" charset="2"/>
+              <a:buChar char=""/>
+              <a:defRPr sz="1800" kern="1200">
+                <a:solidFill>
+                  <a:schemeClr val="tx1"/>
+                </a:solidFill>
+                <a:latin typeface="+mn-lt"/>
+                <a:ea typeface="+mn-ea"/>
+                <a:cs typeface="+mn-cs"/>
+              </a:defRPr>
+            </a:lvl1pPr>
+            <a:lvl2pPr marL="742950" indent="-285750" algn="l" defTabSz="457200" rtl="0" eaLnBrk="1" latinLnBrk="0" hangingPunct="1">
+              <a:spcBef>
+                <a:spcPct val="20000"/>
+              </a:spcBef>
+              <a:spcAft>
+                <a:spcPts val="600"/>
+              </a:spcAft>
+              <a:buClr>
+                <a:schemeClr val="accent1"/>
+              </a:buClr>
+              <a:buFont typeface="Wingdings 2" charset="2"/>
+              <a:buChar char=""/>
+              <a:defRPr sz="1600" kern="1200">
+                <a:solidFill>
+                  <a:schemeClr val="tx1"/>
+                </a:solidFill>
+                <a:latin typeface="+mn-lt"/>
+                <a:ea typeface="+mn-ea"/>
+                <a:cs typeface="+mn-cs"/>
+              </a:defRPr>
+            </a:lvl2pPr>
+            <a:lvl3pPr marL="1143000" indent="-228600" algn="l" defTabSz="457200" rtl="0" eaLnBrk="1" latinLnBrk="0" hangingPunct="1">
+              <a:spcBef>
+                <a:spcPct val="20000"/>
+              </a:spcBef>
+              <a:spcAft>
+                <a:spcPts val="600"/>
+              </a:spcAft>
+              <a:buClr>
+                <a:schemeClr val="accent1"/>
+              </a:buClr>
+              <a:buFont typeface="Wingdings 2" charset="2"/>
+              <a:buChar char=""/>
+              <a:defRPr sz="1400" kern="1200">
+                <a:solidFill>
+                  <a:schemeClr val="tx1"/>
+                </a:solidFill>
+                <a:latin typeface="+mn-lt"/>
+                <a:ea typeface="+mn-ea"/>
+                <a:cs typeface="+mn-cs"/>
+              </a:defRPr>
+            </a:lvl3pPr>
+            <a:lvl4pPr marL="1600200" indent="-228600" algn="l" defTabSz="457200" rtl="0" eaLnBrk="1" latinLnBrk="0" hangingPunct="1">
+              <a:spcBef>
+                <a:spcPct val="20000"/>
+              </a:spcBef>
+              <a:spcAft>
+                <a:spcPts val="600"/>
+              </a:spcAft>
+              <a:buClr>
+                <a:schemeClr val="accent1"/>
+              </a:buClr>
+              <a:buFont typeface="Wingdings 2" charset="2"/>
+              <a:buChar char=""/>
+              <a:defRPr sz="1200" kern="1200">
+                <a:solidFill>
+                  <a:schemeClr val="tx1"/>
+                </a:solidFill>
+                <a:latin typeface="+mn-lt"/>
+                <a:ea typeface="+mn-ea"/>
+                <a:cs typeface="+mn-cs"/>
+              </a:defRPr>
+            </a:lvl4pPr>
+            <a:lvl5pPr marL="2057400" indent="-228600" algn="l" defTabSz="457200" rtl="0" eaLnBrk="1" latinLnBrk="0" hangingPunct="1">
+              <a:spcBef>
+                <a:spcPct val="20000"/>
+              </a:spcBef>
+              <a:spcAft>
+                <a:spcPts val="600"/>
+              </a:spcAft>
+              <a:buClr>
+                <a:schemeClr val="accent1"/>
+              </a:buClr>
+              <a:buFont typeface="Wingdings 2" charset="2"/>
+              <a:buChar char=""/>
+              <a:defRPr sz="1200" kern="1200">
+                <a:solidFill>
+                  <a:schemeClr val="tx1"/>
+                </a:solidFill>
+                <a:latin typeface="+mn-lt"/>
+                <a:ea typeface="+mn-ea"/>
+                <a:cs typeface="+mn-cs"/>
+              </a:defRPr>
+            </a:lvl5pPr>
+            <a:lvl6pPr marL="2400000" indent="-228600" algn="l" defTabSz="457200" rtl="0" eaLnBrk="1" latinLnBrk="0" hangingPunct="1">
+              <a:spcBef>
+                <a:spcPct val="20000"/>
+              </a:spcBef>
+              <a:spcAft>
+                <a:spcPts val="600"/>
+              </a:spcAft>
+              <a:buClr>
+                <a:schemeClr val="accent1"/>
+              </a:buClr>
+              <a:buFont typeface="Wingdings 2" charset="2"/>
+              <a:buChar char=""/>
+              <a:defRPr sz="1200" kern="1200">
+                <a:solidFill>
+                  <a:schemeClr val="tx1"/>
+                </a:solidFill>
+                <a:latin typeface="+mn-lt"/>
+                <a:ea typeface="+mn-ea"/>
+                <a:cs typeface="+mn-cs"/>
+              </a:defRPr>
+            </a:lvl6pPr>
+            <a:lvl7pPr marL="2800000" indent="-228600" algn="l" defTabSz="457200" rtl="0" eaLnBrk="1" latinLnBrk="0" hangingPunct="1">
+              <a:spcBef>
+                <a:spcPct val="20000"/>
+              </a:spcBef>
+              <a:spcAft>
+                <a:spcPts val="600"/>
+              </a:spcAft>
+              <a:buClr>
+                <a:schemeClr val="accent1"/>
+              </a:buClr>
+              <a:buFont typeface="Wingdings 2" charset="2"/>
+              <a:buChar char=""/>
+              <a:defRPr sz="1200" kern="1200">
+                <a:solidFill>
+                  <a:schemeClr val="tx1"/>
+                </a:solidFill>
+                <a:latin typeface="+mn-lt"/>
+                <a:ea typeface="+mn-ea"/>
+                <a:cs typeface="+mn-cs"/>
+              </a:defRPr>
+            </a:lvl7pPr>
+            <a:lvl8pPr marL="3200000" indent="-228600" algn="l" defTabSz="457200" rtl="0" eaLnBrk="1" latinLnBrk="0" hangingPunct="1">
+              <a:spcBef>
+                <a:spcPct val="20000"/>
+              </a:spcBef>
+              <a:spcAft>
+                <a:spcPts val="600"/>
+              </a:spcAft>
+              <a:buClr>
+                <a:schemeClr val="accent1"/>
+              </a:buClr>
+              <a:buFont typeface="Wingdings 2" charset="2"/>
+              <a:buChar char=""/>
+              <a:defRPr sz="1200" kern="1200">
+                <a:solidFill>
+                  <a:schemeClr val="tx1"/>
+                </a:solidFill>
+                <a:latin typeface="+mn-lt"/>
+                <a:ea typeface="+mn-ea"/>
+                <a:cs typeface="+mn-cs"/>
+              </a:defRPr>
+            </a:lvl8pPr>
+            <a:lvl9pPr marL="3600000" indent="-228600" algn="l" defTabSz="457200" rtl="0" eaLnBrk="1" latinLnBrk="0" hangingPunct="1">
+              <a:spcBef>
+                <a:spcPct val="20000"/>
+              </a:spcBef>
+              <a:spcAft>
+                <a:spcPts val="600"/>
+              </a:spcAft>
+              <a:buClr>
+                <a:schemeClr val="accent1"/>
+              </a:buClr>
+              <a:buFont typeface="Wingdings 2" charset="2"/>
+              <a:buChar char=""/>
+              <a:defRPr sz="1200" kern="1200">
+                <a:solidFill>
+                  <a:schemeClr val="tx1"/>
+                </a:solidFill>
+                <a:latin typeface="+mn-lt"/>
+                <a:ea typeface="+mn-ea"/>
+                <a:cs typeface="+mn-cs"/>
+              </a:defRPr>
+            </a:lvl9pPr>
+          </a:lstStyle>
+          <a:p>
+            <a:pPr algn="l"/>
+            <a:r>
+              <a:rPr lang="en-AU" sz="1600" dirty="0"/>
+              <a:t>When doing the comparison of the top 500 restaurants however, Melbourne is ahead on average user ratings and equal with Sydney on median user rating.</a:t>
+            </a:r>
+          </a:p>
+        </p:txBody>
+      </p:sp>
     </p:spTree>
     <p:extLst>
       <p:ext uri="{BB962C8B-B14F-4D97-AF65-F5344CB8AC3E}">
-        <p14:creationId xmlns:p14="http://schemas.microsoft.com/office/powerpoint/2010/main" val="451085715"/>
+        <p14:creationId xmlns:p14="http://schemas.microsoft.com/office/powerpoint/2010/main" val="3016717130"/>
       </p:ext>
     </p:extLst>
   </p:cSld>
@@ -5406,7 +6345,7 @@
             </a:br>
             <a:r>
               <a:rPr lang="en-AU" dirty="0"/>
-              <a:t>Average vs Median Cost for Two Per City</a:t>
+              <a:t>Cost Comparison Across the Cities</a:t>
             </a:r>
           </a:p>
         </p:txBody>
@@ -5429,8 +6368,8 @@
         </p:nvSpPr>
         <p:spPr>
           <a:xfrm>
-            <a:off x="198143" y="2174875"/>
-            <a:ext cx="11795714" cy="576262"/>
+            <a:off x="198143" y="1902940"/>
+            <a:ext cx="11795714" cy="848197"/>
           </a:xfrm>
         </p:spPr>
         <p:txBody>
@@ -5447,7 +6386,7 @@
             </a:pPr>
             <a:r>
               <a:rPr lang="en-AU" sz="1200" dirty="0"/>
-              <a:t>Melbourne’s top 100 restaurants are by far more expensive than in any other city. The average cost for two is $120 compare to $90 for all Australian restaurants.</a:t>
+              <a:t>Melbourne is significantly more expensive than in any other city</a:t>
             </a:r>
           </a:p>
           <a:p>
@@ -5461,7 +6400,7 @@
             </a:pPr>
             <a:r>
               <a:rPr lang="en-AU" sz="1200" dirty="0"/>
-              <a:t>The Melbourne’s box plot shows the top interquartile is really high - it’s not only outliers that push the average cost</a:t>
+              <a:t>Melbourne outlying restaurants don’t explain the high average cost</a:t>
             </a:r>
           </a:p>
         </p:txBody>
@@ -5496,64 +6435,6 @@
           </a:p>
         </p:txBody>
       </p:sp>
-      <p:pic>
-        <p:nvPicPr>
-          <p:cNvPr id="23" name="Content Placeholder 22">
-            <a:extLst>
-              <a:ext uri="{FF2B5EF4-FFF2-40B4-BE49-F238E27FC236}">
-                <a16:creationId xmlns:a16="http://schemas.microsoft.com/office/drawing/2014/main" id="{EEC72A2E-053C-4768-87CB-8FB5F7F96D27}"/>
-              </a:ext>
-            </a:extLst>
-          </p:cNvPr>
-          <p:cNvPicPr>
-            <a:picLocks noGrp="1" noChangeAspect="1"/>
-          </p:cNvPicPr>
-          <p:nvPr>
-            <p:ph sz="quarter" idx="4"/>
-          </p:nvPr>
-        </p:nvPicPr>
-        <p:blipFill>
-          <a:blip r:embed="rId2"/>
-          <a:stretch>
-            <a:fillRect/>
-          </a:stretch>
-        </p:blipFill>
-        <p:spPr>
-          <a:xfrm>
-            <a:off x="8094134" y="2751136"/>
-            <a:ext cx="3899723" cy="3899723"/>
-          </a:xfrm>
-        </p:spPr>
-      </p:pic>
-      <p:pic>
-        <p:nvPicPr>
-          <p:cNvPr id="21" name="Content Placeholder 20">
-            <a:extLst>
-              <a:ext uri="{FF2B5EF4-FFF2-40B4-BE49-F238E27FC236}">
-                <a16:creationId xmlns:a16="http://schemas.microsoft.com/office/drawing/2014/main" id="{0BD9F453-AA38-4031-8980-B158E4BF6249}"/>
-              </a:ext>
-            </a:extLst>
-          </p:cNvPr>
-          <p:cNvPicPr>
-            <a:picLocks noGrp="1" noChangeAspect="1"/>
-          </p:cNvPicPr>
-          <p:nvPr>
-            <p:ph sz="half" idx="2"/>
-          </p:nvPr>
-        </p:nvPicPr>
-        <p:blipFill>
-          <a:blip r:embed="rId3"/>
-          <a:stretch>
-            <a:fillRect/>
-          </a:stretch>
-        </p:blipFill>
-        <p:spPr>
-          <a:xfrm>
-            <a:off x="198143" y="2751137"/>
-            <a:ext cx="3899723" cy="3899723"/>
-          </a:xfrm>
-        </p:spPr>
-      </p:pic>
       <p:pic>
         <p:nvPicPr>
           <p:cNvPr id="25" name="Content Placeholder 8" descr="A screenshot of a video game&#10;&#10;Description automatically generated">
@@ -5569,7 +6450,7 @@
           <p:nvPr/>
         </p:nvPicPr>
         <p:blipFill>
-          <a:blip r:embed="rId4">
+          <a:blip r:embed="rId2">
             <a:extLst>
               <a:ext uri="{28A0092B-C50C-407E-A947-70E740481C1C}">
                 <a14:useLocalDpi xmlns:a14="http://schemas.microsoft.com/office/drawing/2010/main" val="0"/>
@@ -5582,8 +6463,8 @@
         </p:blipFill>
         <p:spPr>
           <a:xfrm>
-            <a:off x="4428507" y="2883515"/>
-            <a:ext cx="4993125" cy="3328751"/>
+            <a:off x="6334666" y="2826211"/>
+            <a:ext cx="5535600" cy="3690401"/>
           </a:xfrm>
           <a:prstGeom prst="rect">
             <a:avLst/>
@@ -5595,6 +6476,36 @@
               </a:srgbClr>
             </a:outerShdw>
           </a:effectLst>
+        </p:spPr>
+      </p:pic>
+      <p:pic>
+        <p:nvPicPr>
+          <p:cNvPr id="8" name="Picture 7">
+            <a:extLst>
+              <a:ext uri="{FF2B5EF4-FFF2-40B4-BE49-F238E27FC236}">
+                <a16:creationId xmlns:a16="http://schemas.microsoft.com/office/drawing/2014/main" id="{AD41E110-07B0-46C1-8362-15610F4156E8}"/>
+              </a:ext>
+            </a:extLst>
+          </p:cNvPr>
+          <p:cNvPicPr>
+            <a:picLocks noChangeAspect="1"/>
+          </p:cNvPicPr>
+          <p:nvPr/>
+        </p:nvPicPr>
+        <p:blipFill>
+          <a:blip r:embed="rId3"/>
+          <a:stretch>
+            <a:fillRect/>
+          </a:stretch>
+        </p:blipFill>
+        <p:spPr>
+          <a:xfrm>
+            <a:off x="321734" y="2826211"/>
+            <a:ext cx="5535602" cy="3690402"/>
+          </a:xfrm>
+          <a:prstGeom prst="rect">
+            <a:avLst/>
+          </a:prstGeom>
         </p:spPr>
       </p:pic>
     </p:spTree>

--- a/Final notebooks/Zomato_Presentation_EW_20200712.pptx
+++ b/Final notebooks/Zomato_Presentation_EW_20200712.pptx
@@ -210,7 +210,7 @@
           <a:p>
             <a:fld id="{EB89C686-A75F-4E47-97E1-C7954E3DAA2A}" type="datetimeFigureOut">
               <a:rPr lang="en-AU" smtClean="0"/>
-              <a:t>13/07/2020</a:t>
+              <a:t>14/07/2020</a:t>
             </a:fld>
             <a:endParaRPr lang="en-AU"/>
           </a:p>
@@ -573,7 +573,7 @@
           <a:effectLst/>
           <a:extLst>
             <a:ext uri="{91240B29-F687-4f45-9708-019B960494DF}">
-              <a14:hiddenLine xmlns="" xmlns:a14="http://schemas.microsoft.com/office/drawing/2010/main" w="9525">
+              <a14:hiddenLine xmlns:a14="http://schemas.microsoft.com/office/drawing/2010/main" xmlns="" w="9525">
                 <a:solidFill>
                   <a:srgbClr val="000000"/>
                 </a:solidFill>
@@ -903,7 +903,7 @@
           <a:ln/>
           <a:extLst>
             <a:ext uri="{91240B29-F687-4f45-9708-019B960494DF}">
-              <a14:hiddenLine xmlns="" xmlns:a14="http://schemas.microsoft.com/office/drawing/2010/main" w="9525">
+              <a14:hiddenLine xmlns:a14="http://schemas.microsoft.com/office/drawing/2010/main" xmlns="" w="9525">
                 <a:solidFill>
                   <a:srgbClr val="000000"/>
                 </a:solidFill>
@@ -1205,7 +1205,7 @@
           <a:ln/>
           <a:extLst>
             <a:ext uri="{91240B29-F687-4f45-9708-019B960494DF}">
-              <a14:hiddenLine xmlns="" xmlns:a14="http://schemas.microsoft.com/office/drawing/2010/main" w="9525">
+              <a14:hiddenLine xmlns:a14="http://schemas.microsoft.com/office/drawing/2010/main" xmlns="" w="9525">
                 <a:solidFill>
                   <a:srgbClr val="000000"/>
                 </a:solidFill>
@@ -1568,7 +1568,7 @@
           <a:ln/>
           <a:extLst>
             <a:ext uri="{91240B29-F687-4f45-9708-019B960494DF}">
-              <a14:hiddenLine xmlns="" xmlns:a14="http://schemas.microsoft.com/office/drawing/2010/main" w="9525">
+              <a14:hiddenLine xmlns:a14="http://schemas.microsoft.com/office/drawing/2010/main" xmlns="" w="9525">
                 <a:solidFill>
                   <a:srgbClr val="000000"/>
                 </a:solidFill>
@@ -2178,7 +2178,7 @@
           <a:ln/>
           <a:extLst>
             <a:ext uri="{91240B29-F687-4f45-9708-019B960494DF}">
-              <a14:hiddenLine xmlns="" xmlns:a14="http://schemas.microsoft.com/office/drawing/2010/main" w="9525">
+              <a14:hiddenLine xmlns:a14="http://schemas.microsoft.com/office/drawing/2010/main" xmlns="" w="9525">
                 <a:solidFill>
                   <a:srgbClr val="000000"/>
                 </a:solidFill>
@@ -3650,10 +3650,10 @@
       </p:sp>
       <p:pic>
         <p:nvPicPr>
-          <p:cNvPr id="8" name="Content Placeholder 7" descr="A screenshot of a cell phone&#10;&#10;Description automatically generated">
+          <p:cNvPr id="7" name="Content Placeholder 6" descr="A screenshot of a cell phone&#10;&#10;Description automatically generated">
             <a:extLst>
               <a:ext uri="{FF2B5EF4-FFF2-40B4-BE49-F238E27FC236}">
-                <a16:creationId xmlns:a16="http://schemas.microsoft.com/office/drawing/2014/main" id="{D8832423-2E1E-4875-A40D-A1687271B9A0}"/>
+                <a16:creationId xmlns:a16="http://schemas.microsoft.com/office/drawing/2014/main" id="{64CFF04D-2147-4636-BDB8-377628B80FDA}"/>
               </a:ext>
             </a:extLst>
           </p:cNvPr>
@@ -3664,16 +3664,15 @@
             <p:ph idx="1"/>
           </p:nvPr>
         </p:nvPicPr>
-        <p:blipFill>
+        <p:blipFill rotWithShape="1">
           <a:blip r:embed="rId2"/>
-          <a:stretch>
-            <a:fillRect/>
-          </a:stretch>
+          <a:srcRect t="6694" r="7864" b="5448"/>
+          <a:stretch/>
         </p:blipFill>
         <p:spPr>
           <a:xfrm>
-            <a:off x="5133980" y="2143122"/>
-            <a:ext cx="6684209" cy="4456140"/>
+            <a:off x="4907698" y="2067339"/>
+            <a:ext cx="7150011" cy="4545361"/>
           </a:xfrm>
         </p:spPr>
       </p:pic>

--- a/Final notebooks/Zomato_Presentation_EW_20200712.pptx
+++ b/Final notebooks/Zomato_Presentation_EW_20200712.pptx
@@ -573,7 +573,7 @@
           <a:effectLst/>
           <a:extLst>
             <a:ext uri="{91240B29-F687-4f45-9708-019B960494DF}">
-              <a14:hiddenLine xmlns:a14="http://schemas.microsoft.com/office/drawing/2010/main" xmlns="" w="9525">
+              <a14:hiddenLine xmlns="" xmlns:a14="http://schemas.microsoft.com/office/drawing/2010/main" w="9525">
                 <a:solidFill>
                   <a:srgbClr val="000000"/>
                 </a:solidFill>
@@ -903,7 +903,7 @@
           <a:ln/>
           <a:extLst>
             <a:ext uri="{91240B29-F687-4f45-9708-019B960494DF}">
-              <a14:hiddenLine xmlns:a14="http://schemas.microsoft.com/office/drawing/2010/main" xmlns="" w="9525">
+              <a14:hiddenLine xmlns="" xmlns:a14="http://schemas.microsoft.com/office/drawing/2010/main" w="9525">
                 <a:solidFill>
                   <a:srgbClr val="000000"/>
                 </a:solidFill>
@@ -1205,7 +1205,7 @@
           <a:ln/>
           <a:extLst>
             <a:ext uri="{91240B29-F687-4f45-9708-019B960494DF}">
-              <a14:hiddenLine xmlns:a14="http://schemas.microsoft.com/office/drawing/2010/main" xmlns="" w="9525">
+              <a14:hiddenLine xmlns="" xmlns:a14="http://schemas.microsoft.com/office/drawing/2010/main" w="9525">
                 <a:solidFill>
                   <a:srgbClr val="000000"/>
                 </a:solidFill>
@@ -1568,7 +1568,7 @@
           <a:ln/>
           <a:extLst>
             <a:ext uri="{91240B29-F687-4f45-9708-019B960494DF}">
-              <a14:hiddenLine xmlns:a14="http://schemas.microsoft.com/office/drawing/2010/main" xmlns="" w="9525">
+              <a14:hiddenLine xmlns="" xmlns:a14="http://schemas.microsoft.com/office/drawing/2010/main" w="9525">
                 <a:solidFill>
                   <a:srgbClr val="000000"/>
                 </a:solidFill>
@@ -2178,7 +2178,7 @@
           <a:ln/>
           <a:extLst>
             <a:ext uri="{91240B29-F687-4f45-9708-019B960494DF}">
-              <a14:hiddenLine xmlns:a14="http://schemas.microsoft.com/office/drawing/2010/main" xmlns="" w="9525">
+              <a14:hiddenLine xmlns="" xmlns:a14="http://schemas.microsoft.com/office/drawing/2010/main" w="9525">
                 <a:solidFill>
                   <a:srgbClr val="000000"/>
                 </a:solidFill>
@@ -3231,7 +3231,7 @@
           <a:p>
             <a:r>
               <a:rPr lang="en-GB" dirty="0"/>
-              <a:t>There is no correlation between user rating and cost for two people.</a:t>
+              <a:t>There is no correlation between user rating and the average cost for two people.</a:t>
             </a:r>
           </a:p>
           <a:p>
@@ -3789,7 +3789,7 @@
           <a:p>
             <a:pPr lvl="1"/>
             <a:r>
-              <a:rPr lang="en-GB" sz="1800" i="0" dirty="0">
+              <a:rPr lang="en-GB" sz="2000" i="0" dirty="0">
                 <a:solidFill>
                   <a:srgbClr val="D1D2D3"/>
                 </a:solidFill>
@@ -3849,7 +3849,7 @@
           <a:p>
             <a:pPr lvl="1"/>
             <a:r>
-              <a:rPr lang="en-GB" sz="1800" dirty="0">
+              <a:rPr lang="en-GB" sz="2000" dirty="0">
                 <a:solidFill>
                   <a:srgbClr val="D1D2D3"/>
                 </a:solidFill>
@@ -4008,7 +4008,7 @@
               <a:buChar char=""/>
             </a:pPr>
             <a:r>
-              <a:rPr lang="en-GB" b="0" i="0" dirty="0">
+              <a:rPr lang="en-GB" sz="2000" b="0" i="0" dirty="0">
                 <a:solidFill>
                   <a:srgbClr val="D1D2D3"/>
                 </a:solidFill>
@@ -4098,7 +4098,7 @@
               <a:buChar char=""/>
             </a:pPr>
             <a:r>
-              <a:rPr lang="en-GB" b="0" i="0" dirty="0">
+              <a:rPr lang="en-GB" sz="2000" b="0" i="0" dirty="0">
                 <a:solidFill>
                   <a:srgbClr val="D1D2D3"/>
                 </a:solidFill>
@@ -4436,7 +4436,7 @@
             </a:pPr>
             <a:r>
               <a:rPr lang="en-AU" dirty="0"/>
-              <a:t>Melbourne is the cultural epicentre of Australia and renowned for quality and diversity of its food.</a:t>
+              <a:t>Melbourne is the cultural epicentre of Australia and renowned for the quality and diversity of its food.</a:t>
             </a:r>
           </a:p>
           <a:p>
@@ -4447,7 +4447,7 @@
             </a:pPr>
             <a:r>
               <a:rPr lang="en-AU" dirty="0"/>
-              <a:t>Melbourne has the best restaurants of the five largest cities in Australia.</a:t>
+              <a:t>Melbourne has the best restaurants amongst the five largest cities in Australia.</a:t>
             </a:r>
           </a:p>
           <a:p>
@@ -4456,7 +4456,7 @@
           <a:p>
             <a:r>
               <a:rPr lang="en-GB" dirty="0"/>
-              <a:t>Questions:</a:t>
+              <a:t>Question:</a:t>
             </a:r>
           </a:p>
           <a:p>
@@ -4632,7 +4632,7 @@
           <a:p>
             <a:r>
               <a:rPr lang="en-AU" dirty="0"/>
-              <a:t>Our dataset = 500 restaurants</a:t>
+              <a:t>Our dataset included 500 restaurants</a:t>
             </a:r>
           </a:p>
           <a:p>
@@ -4682,7 +4682,7 @@
             </a:pPr>
             <a:r>
               <a:rPr lang="en-AU" dirty="0"/>
-              <a:t>We actually wanted a 1000 per city instead.</a:t>
+              <a:t>We were wanting 1000 restaurants per city.</a:t>
             </a:r>
           </a:p>
           <a:p>
@@ -4699,7 +4699,7 @@
             </a:pPr>
             <a:r>
               <a:rPr lang="en-AU" dirty="0"/>
-              <a:t>By choosing the five cities, some other excellent restaurants can be in country Australia.</a:t>
+              <a:t>By choosing only the five cities, this excluded possibly excellent restaurants in rural areas of Australia.</a:t>
             </a:r>
           </a:p>
           <a:p>
@@ -5745,8 +5745,8 @@
         </p:nvSpPr>
         <p:spPr>
           <a:xfrm>
-            <a:off x="810000" y="2154940"/>
-            <a:ext cx="4750879" cy="839151"/>
+            <a:off x="928921" y="2154940"/>
+            <a:ext cx="4513035" cy="839151"/>
           </a:xfrm>
         </p:spPr>
         <p:txBody>
@@ -5757,7 +5757,7 @@
           <a:p>
             <a:r>
               <a:rPr lang="en-GB" sz="1600" dirty="0"/>
-              <a:t>Almost 45% of the Top 100 Restaurants are in Melbourne.</a:t>
+              <a:t>44% of the Top 100 Restaurants are in Melbourne.</a:t>
             </a:r>
           </a:p>
         </p:txBody>
@@ -6367,39 +6367,43 @@
         </p:nvSpPr>
         <p:spPr>
           <a:xfrm>
-            <a:off x="198143" y="1902940"/>
-            <a:ext cx="11795714" cy="848197"/>
+            <a:off x="321733" y="1902940"/>
+            <a:ext cx="11548533" cy="848197"/>
           </a:xfrm>
         </p:spPr>
         <p:txBody>
           <a:bodyPr/>
           <a:lstStyle/>
           <a:p>
-            <a:pPr algn="l">
+            <a:pPr marL="171450" indent="-171450" algn="l">
               <a:spcBef>
                 <a:spcPts val="0"/>
               </a:spcBef>
               <a:spcAft>
                 <a:spcPts val="0"/>
               </a:spcAft>
+              <a:buFont typeface="Wingdings 2" panose="05020102010507070707" pitchFamily="18" charset="2"/>
+              <a:buChar char=""/>
             </a:pPr>
             <a:r>
-              <a:rPr lang="en-AU" sz="1200" dirty="0"/>
-              <a:t>Melbourne is significantly more expensive than in any other city</a:t>
-            </a:r>
-          </a:p>
-          <a:p>
-            <a:pPr algn="l">
+              <a:rPr lang="en-AU" sz="1800" dirty="0"/>
+              <a:t> Melbourne is significantly more expensive than in any other city</a:t>
+            </a:r>
+          </a:p>
+          <a:p>
+            <a:pPr marL="171450" indent="-171450" algn="l">
               <a:spcBef>
                 <a:spcPts val="0"/>
               </a:spcBef>
               <a:spcAft>
                 <a:spcPts val="0"/>
               </a:spcAft>
+              <a:buFont typeface="Wingdings 2" panose="05020102010507070707" pitchFamily="18" charset="2"/>
+              <a:buChar char=""/>
             </a:pPr>
             <a:r>
-              <a:rPr lang="en-AU" sz="1200" dirty="0"/>
-              <a:t>Melbourne outlying restaurants don’t explain the high average cost</a:t>
+              <a:rPr lang="en-AU" sz="1800" dirty="0"/>
+              <a:t> Melbourne outlying restaurants don’t explain the high average cost</a:t>
             </a:r>
           </a:p>
         </p:txBody>
